--- a/boxofficeppt.pptx
+++ b/boxofficeppt.pptx
@@ -10,13 +10,18 @@
     <p:sldId id="263" r:id="rId4"/>
     <p:sldId id="257" r:id="rId5"/>
     <p:sldId id="258" r:id="rId6"/>
-    <p:sldId id="259" r:id="rId7"/>
-    <p:sldId id="260" r:id="rId8"/>
-    <p:sldId id="261" r:id="rId9"/>
-    <p:sldId id="262" r:id="rId10"/>
-    <p:sldId id="268" r:id="rId11"/>
-    <p:sldId id="267" r:id="rId12"/>
-    <p:sldId id="266" r:id="rId13"/>
+    <p:sldId id="269" r:id="rId7"/>
+    <p:sldId id="264" r:id="rId8"/>
+    <p:sldId id="265" r:id="rId9"/>
+    <p:sldId id="270" r:id="rId10"/>
+    <p:sldId id="271" r:id="rId11"/>
+    <p:sldId id="259" r:id="rId12"/>
+    <p:sldId id="260" r:id="rId13"/>
+    <p:sldId id="261" r:id="rId14"/>
+    <p:sldId id="262" r:id="rId15"/>
+    <p:sldId id="268" r:id="rId16"/>
+    <p:sldId id="267" r:id="rId17"/>
+    <p:sldId id="266" r:id="rId18"/>
   </p:sldIdLst>
   <p:sldSz cx="12192000" cy="6858000"/>
   <p:notesSz cx="6858000" cy="9144000"/>
@@ -11904,6 +11909,1321 @@
       </p:grpSpPr>
       <p:sp>
         <p:nvSpPr>
+          <p:cNvPr id="3" name="Text Placeholder 2">
+            <a:extLst>
+              <a:ext uri="{FF2B5EF4-FFF2-40B4-BE49-F238E27FC236}">
+                <a16:creationId xmlns:a16="http://schemas.microsoft.com/office/drawing/2014/main" id="{CF15671B-24D4-4E43-869B-BEAF10477EE2}"/>
+              </a:ext>
+            </a:extLst>
+          </p:cNvPr>
+          <p:cNvSpPr>
+            <a:spLocks noGrp="1"/>
+          </p:cNvSpPr>
+          <p:nvPr>
+            <p:ph type="body" idx="1"/>
+          </p:nvPr>
+        </p:nvSpPr>
+        <p:spPr>
+          <a:xfrm>
+            <a:off x="759282" y="1404420"/>
+            <a:ext cx="9031831" cy="3941303"/>
+          </a:xfrm>
+        </p:spPr>
+        <p:txBody>
+          <a:bodyPr>
+            <a:normAutofit/>
+          </a:bodyPr>
+          <a:lstStyle/>
+          <a:p>
+            <a:pPr marL="342900" indent="-342900">
+              <a:buClr>
+                <a:schemeClr val="accent3">
+                  <a:lumMod val="50000"/>
+                </a:schemeClr>
+              </a:buClr>
+              <a:buFont typeface="Wingdings" panose="05000000000000000000" pitchFamily="2" charset="2"/>
+              <a:buChar char="v"/>
+            </a:pPr>
+            <a:r>
+              <a:rPr lang="en-IN" dirty="0">
+                <a:solidFill>
+                  <a:schemeClr val="accent5">
+                    <a:lumMod val="50000"/>
+                  </a:schemeClr>
+                </a:solidFill>
+                <a:latin typeface="Arial" panose="020B0604020202020204" pitchFamily="34" charset="0"/>
+                <a:cs typeface="Arial" panose="020B0604020202020204" pitchFamily="34" charset="0"/>
+              </a:rPr>
+              <a:t>Saves Customer time from physically go to theatre to buy tickets.</a:t>
+            </a:r>
+          </a:p>
+          <a:p>
+            <a:pPr marL="342900" indent="-342900">
+              <a:buClr>
+                <a:schemeClr val="accent3">
+                  <a:lumMod val="50000"/>
+                </a:schemeClr>
+              </a:buClr>
+              <a:buFont typeface="Wingdings" panose="05000000000000000000" pitchFamily="2" charset="2"/>
+              <a:buChar char="v"/>
+            </a:pPr>
+            <a:r>
+              <a:rPr lang="en-IN" dirty="0">
+                <a:solidFill>
+                  <a:schemeClr val="accent5">
+                    <a:lumMod val="50000"/>
+                  </a:schemeClr>
+                </a:solidFill>
+                <a:latin typeface="Arial" panose="020B0604020202020204" pitchFamily="34" charset="0"/>
+                <a:cs typeface="Arial" panose="020B0604020202020204" pitchFamily="34" charset="0"/>
+              </a:rPr>
+              <a:t>Gives a variety of theatre to book tickets.</a:t>
+            </a:r>
+          </a:p>
+          <a:p>
+            <a:pPr marL="342900" indent="-342900">
+              <a:buClr>
+                <a:schemeClr val="accent3">
+                  <a:lumMod val="50000"/>
+                </a:schemeClr>
+              </a:buClr>
+              <a:buFont typeface="Wingdings" panose="05000000000000000000" pitchFamily="2" charset="2"/>
+              <a:buChar char="v"/>
+            </a:pPr>
+            <a:r>
+              <a:rPr lang="en-IN" dirty="0">
+                <a:solidFill>
+                  <a:schemeClr val="accent5">
+                    <a:lumMod val="50000"/>
+                  </a:schemeClr>
+                </a:solidFill>
+                <a:latin typeface="Arial" panose="020B0604020202020204" pitchFamily="34" charset="0"/>
+                <a:cs typeface="Arial" panose="020B0604020202020204" pitchFamily="34" charset="0"/>
+              </a:rPr>
+              <a:t>Review Each movie and theatre to improve experience next time.</a:t>
+            </a:r>
+          </a:p>
+          <a:p>
+            <a:pPr marL="342900" indent="-342900">
+              <a:buClr>
+                <a:schemeClr val="accent3">
+                  <a:lumMod val="50000"/>
+                </a:schemeClr>
+              </a:buClr>
+              <a:buFont typeface="Wingdings" panose="05000000000000000000" pitchFamily="2" charset="2"/>
+              <a:buChar char="v"/>
+            </a:pPr>
+            <a:r>
+              <a:rPr lang="en-IN" dirty="0">
+                <a:solidFill>
+                  <a:schemeClr val="accent5">
+                    <a:lumMod val="50000"/>
+                  </a:schemeClr>
+                </a:solidFill>
+                <a:latin typeface="Arial" panose="020B0604020202020204" pitchFamily="34" charset="0"/>
+                <a:cs typeface="Arial" panose="020B0604020202020204" pitchFamily="34" charset="0"/>
+              </a:rPr>
+              <a:t>Customer review enhance the system as machine learning works on the raw data.</a:t>
+            </a:r>
+          </a:p>
+          <a:p>
+            <a:pPr marL="342900" indent="-342900">
+              <a:buClr>
+                <a:schemeClr val="accent3">
+                  <a:lumMod val="50000"/>
+                </a:schemeClr>
+              </a:buClr>
+              <a:buFont typeface="Wingdings" panose="05000000000000000000" pitchFamily="2" charset="2"/>
+              <a:buChar char="v"/>
+            </a:pPr>
+            <a:r>
+              <a:rPr lang="en-IN" dirty="0">
+                <a:solidFill>
+                  <a:schemeClr val="accent5">
+                    <a:lumMod val="50000"/>
+                  </a:schemeClr>
+                </a:solidFill>
+                <a:latin typeface="Arial" panose="020B0604020202020204" pitchFamily="34" charset="0"/>
+                <a:cs typeface="Arial" panose="020B0604020202020204" pitchFamily="34" charset="0"/>
+              </a:rPr>
+              <a:t>Provide enhance movie experience for customer.</a:t>
+            </a:r>
+          </a:p>
+          <a:p>
+            <a:pPr marL="342900" indent="-342900">
+              <a:buClr>
+                <a:schemeClr val="accent3">
+                  <a:lumMod val="50000"/>
+                </a:schemeClr>
+              </a:buClr>
+              <a:buFont typeface="Wingdings" panose="05000000000000000000" pitchFamily="2" charset="2"/>
+              <a:buChar char="v"/>
+            </a:pPr>
+            <a:r>
+              <a:rPr lang="en-IN" dirty="0">
+                <a:solidFill>
+                  <a:schemeClr val="accent5">
+                    <a:lumMod val="50000"/>
+                  </a:schemeClr>
+                </a:solidFill>
+                <a:latin typeface="Arial" panose="020B0604020202020204" pitchFamily="34" charset="0"/>
+                <a:cs typeface="Arial" panose="020B0604020202020204" pitchFamily="34" charset="0"/>
+              </a:rPr>
+              <a:t>Gives the relevant movies according to customer review.</a:t>
+            </a:r>
+          </a:p>
+        </p:txBody>
+      </p:sp>
+      <p:sp>
+        <p:nvSpPr>
+          <p:cNvPr id="4" name="Rectangle 3">
+            <a:extLst>
+              <a:ext uri="{FF2B5EF4-FFF2-40B4-BE49-F238E27FC236}">
+                <a16:creationId xmlns:a16="http://schemas.microsoft.com/office/drawing/2014/main" id="{6FDE8102-1CBC-4FDF-9734-DC6A91271C90}"/>
+              </a:ext>
+            </a:extLst>
+          </p:cNvPr>
+          <p:cNvSpPr/>
+          <p:nvPr/>
+        </p:nvSpPr>
+        <p:spPr>
+          <a:xfrm>
+            <a:off x="351320" y="407015"/>
+            <a:ext cx="6550768" cy="584775"/>
+          </a:xfrm>
+          <a:prstGeom prst="rect">
+            <a:avLst/>
+          </a:prstGeom>
+          <a:noFill/>
+        </p:spPr>
+        <p:txBody>
+          <a:bodyPr wrap="none" lIns="91440" tIns="45720" rIns="91440" bIns="45720">
+            <a:spAutoFit/>
+          </a:bodyPr>
+          <a:lstStyle/>
+          <a:p>
+            <a:pPr>
+              <a:buClr>
+                <a:schemeClr val="accent2">
+                  <a:lumMod val="75000"/>
+                </a:schemeClr>
+              </a:buClr>
+            </a:pPr>
+            <a:r>
+              <a:rPr lang="en-IN" sz="3200" dirty="0">
+                <a:solidFill>
+                  <a:schemeClr val="tx2">
+                    <a:lumMod val="75000"/>
+                  </a:schemeClr>
+                </a:solidFill>
+                <a:latin typeface="Arial" panose="020B0604020202020204" pitchFamily="34" charset="0"/>
+                <a:cs typeface="Arial" panose="020B0604020202020204" pitchFamily="34" charset="0"/>
+              </a:rPr>
+              <a:t>IMPORTANCE</a:t>
+            </a:r>
+            <a:r>
+              <a:rPr lang="en-IN" sz="3200" dirty="0">
+                <a:solidFill>
+                  <a:schemeClr val="accent2">
+                    <a:lumMod val="50000"/>
+                  </a:schemeClr>
+                </a:solidFill>
+                <a:latin typeface="Arial" panose="020B0604020202020204" pitchFamily="34" charset="0"/>
+                <a:cs typeface="Arial" panose="020B0604020202020204" pitchFamily="34" charset="0"/>
+              </a:rPr>
+              <a:t> OF BOX-OFFICE :-</a:t>
+            </a:r>
+          </a:p>
+        </p:txBody>
+      </p:sp>
+      <p:pic>
+        <p:nvPicPr>
+          <p:cNvPr id="2" name="Picture 1">
+            <a:extLst>
+              <a:ext uri="{FF2B5EF4-FFF2-40B4-BE49-F238E27FC236}">
+                <a16:creationId xmlns:a16="http://schemas.microsoft.com/office/drawing/2014/main" id="{96CA3FFC-08DC-471D-9D2D-EE8F8FC57296}"/>
+              </a:ext>
+            </a:extLst>
+          </p:cNvPr>
+          <p:cNvPicPr>
+            <a:picLocks noChangeAspect="1"/>
+          </p:cNvPicPr>
+          <p:nvPr/>
+        </p:nvPicPr>
+        <p:blipFill>
+          <a:blip r:embed="rId2"/>
+          <a:stretch>
+            <a:fillRect/>
+          </a:stretch>
+        </p:blipFill>
+        <p:spPr>
+          <a:xfrm rot="341206">
+            <a:off x="4393591" y="4562965"/>
+            <a:ext cx="3686175" cy="2390775"/>
+          </a:xfrm>
+          <a:prstGeom prst="rect">
+            <a:avLst/>
+          </a:prstGeom>
+        </p:spPr>
+      </p:pic>
+    </p:spTree>
+    <p:extLst>
+      <p:ext uri="{BB962C8B-B14F-4D97-AF65-F5344CB8AC3E}">
+        <p14:creationId xmlns:p14="http://schemas.microsoft.com/office/powerpoint/2010/main" val="2665413906"/>
+      </p:ext>
+    </p:extLst>
+  </p:cSld>
+  <p:clrMapOvr>
+    <a:masterClrMapping/>
+  </p:clrMapOvr>
+</p:sld>
+</file>
+
+<file path=ppt/slides/slide11.xml><?xml version="1.0" encoding="utf-8"?>
+<p:sld xmlns:a="http://schemas.openxmlformats.org/drawingml/2006/main" xmlns:r="http://schemas.openxmlformats.org/officeDocument/2006/relationships" xmlns:p="http://schemas.openxmlformats.org/presentationml/2006/main">
+  <p:cSld>
+    <p:spTree>
+      <p:nvGrpSpPr>
+        <p:cNvPr id="1" name=""/>
+        <p:cNvGrpSpPr/>
+        <p:nvPr/>
+      </p:nvGrpSpPr>
+      <p:grpSpPr>
+        <a:xfrm>
+          <a:off x="0" y="0"/>
+          <a:ext cx="0" cy="0"/>
+          <a:chOff x="0" y="0"/>
+          <a:chExt cx="0" cy="0"/>
+        </a:xfrm>
+      </p:grpSpPr>
+      <p:sp>
+        <p:nvSpPr>
+          <p:cNvPr id="3" name="Text Placeholder 2">
+            <a:extLst>
+              <a:ext uri="{FF2B5EF4-FFF2-40B4-BE49-F238E27FC236}">
+                <a16:creationId xmlns:a16="http://schemas.microsoft.com/office/drawing/2014/main" id="{97E40762-60D7-4126-A4D2-0461844404B8}"/>
+              </a:ext>
+            </a:extLst>
+          </p:cNvPr>
+          <p:cNvSpPr>
+            <a:spLocks noGrp="1"/>
+          </p:cNvSpPr>
+          <p:nvPr>
+            <p:ph type="body" idx="1"/>
+          </p:nvPr>
+        </p:nvSpPr>
+        <p:spPr>
+          <a:xfrm>
+            <a:off x="719538" y="1685774"/>
+            <a:ext cx="8818357" cy="3786558"/>
+          </a:xfrm>
+        </p:spPr>
+        <p:txBody>
+          <a:bodyPr>
+            <a:normAutofit lnSpcReduction="10000"/>
+          </a:bodyPr>
+          <a:lstStyle/>
+          <a:p>
+            <a:r>
+              <a:rPr lang="en-IN" dirty="0">
+                <a:solidFill>
+                  <a:schemeClr val="tx2">
+                    <a:lumMod val="50000"/>
+                  </a:schemeClr>
+                </a:solidFill>
+                <a:latin typeface="Arial" panose="020B0604020202020204" pitchFamily="34" charset="0"/>
+                <a:cs typeface="Arial" panose="020B0604020202020204" pitchFamily="34" charset="0"/>
+              </a:rPr>
+              <a:t>In Box-Office we have used following tools and technology :-</a:t>
+            </a:r>
+          </a:p>
+          <a:p>
+            <a:endParaRPr lang="en-IN" dirty="0">
+              <a:solidFill>
+                <a:schemeClr val="tx2">
+                  <a:lumMod val="50000"/>
+                </a:schemeClr>
+              </a:solidFill>
+              <a:latin typeface="Arial" panose="020B0604020202020204" pitchFamily="34" charset="0"/>
+              <a:cs typeface="Arial" panose="020B0604020202020204" pitchFamily="34" charset="0"/>
+            </a:endParaRPr>
+          </a:p>
+          <a:p>
+            <a:pPr marL="342900" indent="-342900">
+              <a:buFont typeface="Wingdings" panose="05000000000000000000" pitchFamily="2" charset="2"/>
+              <a:buChar char="Ø"/>
+            </a:pPr>
+            <a:r>
+              <a:rPr lang="en-IN" dirty="0">
+                <a:solidFill>
+                  <a:schemeClr val="tx2">
+                    <a:lumMod val="50000"/>
+                  </a:schemeClr>
+                </a:solidFill>
+                <a:latin typeface="Arial" panose="020B0604020202020204" pitchFamily="34" charset="0"/>
+                <a:cs typeface="Arial" panose="020B0604020202020204" pitchFamily="34" charset="0"/>
+              </a:rPr>
+              <a:t>For front end :- Html , Cascading Style Sheet and Javascript</a:t>
+            </a:r>
+          </a:p>
+          <a:p>
+            <a:endParaRPr lang="en-IN" dirty="0">
+              <a:solidFill>
+                <a:schemeClr val="tx2">
+                  <a:lumMod val="50000"/>
+                </a:schemeClr>
+              </a:solidFill>
+              <a:latin typeface="Arial" panose="020B0604020202020204" pitchFamily="34" charset="0"/>
+              <a:cs typeface="Arial" panose="020B0604020202020204" pitchFamily="34" charset="0"/>
+            </a:endParaRPr>
+          </a:p>
+          <a:p>
+            <a:pPr marL="342900" indent="-342900">
+              <a:buFont typeface="Wingdings" panose="05000000000000000000" pitchFamily="2" charset="2"/>
+              <a:buChar char="Ø"/>
+            </a:pPr>
+            <a:r>
+              <a:rPr lang="en-IN" dirty="0">
+                <a:solidFill>
+                  <a:schemeClr val="tx2">
+                    <a:lumMod val="50000"/>
+                  </a:schemeClr>
+                </a:solidFill>
+                <a:latin typeface="Arial" panose="020B0604020202020204" pitchFamily="34" charset="0"/>
+                <a:cs typeface="Arial" panose="020B0604020202020204" pitchFamily="34" charset="0"/>
+              </a:rPr>
+              <a:t>For Backend :- Python and Django </a:t>
+            </a:r>
+          </a:p>
+          <a:p>
+            <a:pPr marL="342900" indent="-342900">
+              <a:buFont typeface="Wingdings" panose="05000000000000000000" pitchFamily="2" charset="2"/>
+              <a:buChar char="Ø"/>
+            </a:pPr>
+            <a:endParaRPr lang="en-IN" dirty="0">
+              <a:solidFill>
+                <a:schemeClr val="tx2">
+                  <a:lumMod val="50000"/>
+                </a:schemeClr>
+              </a:solidFill>
+              <a:latin typeface="Arial" panose="020B0604020202020204" pitchFamily="34" charset="0"/>
+              <a:cs typeface="Arial" panose="020B0604020202020204" pitchFamily="34" charset="0"/>
+            </a:endParaRPr>
+          </a:p>
+          <a:p>
+            <a:pPr marL="342900" indent="-342900">
+              <a:buFont typeface="Wingdings" panose="05000000000000000000" pitchFamily="2" charset="2"/>
+              <a:buChar char="Ø"/>
+            </a:pPr>
+            <a:r>
+              <a:rPr lang="en-IN" dirty="0">
+                <a:solidFill>
+                  <a:schemeClr val="tx2">
+                    <a:lumMod val="50000"/>
+                  </a:schemeClr>
+                </a:solidFill>
+                <a:latin typeface="Arial" panose="020B0604020202020204" pitchFamily="34" charset="0"/>
+                <a:cs typeface="Arial" panose="020B0604020202020204" pitchFamily="34" charset="0"/>
+              </a:rPr>
+              <a:t>Movie Recommender System :- R and Machine learning algorithms </a:t>
+            </a:r>
+          </a:p>
+          <a:p>
+            <a:pPr marL="342900" indent="-342900">
+              <a:buFont typeface="Wingdings" panose="05000000000000000000" pitchFamily="2" charset="2"/>
+              <a:buChar char="Ø"/>
+            </a:pPr>
+            <a:endParaRPr lang="en-IN" dirty="0">
+              <a:solidFill>
+                <a:schemeClr val="tx2">
+                  <a:lumMod val="50000"/>
+                </a:schemeClr>
+              </a:solidFill>
+              <a:latin typeface="Arial" panose="020B0604020202020204" pitchFamily="34" charset="0"/>
+              <a:cs typeface="Arial" panose="020B0604020202020204" pitchFamily="34" charset="0"/>
+            </a:endParaRPr>
+          </a:p>
+          <a:p>
+            <a:pPr marL="342900" indent="-342900">
+              <a:buFont typeface="Wingdings" panose="05000000000000000000" pitchFamily="2" charset="2"/>
+              <a:buChar char="Ø"/>
+            </a:pPr>
+            <a:r>
+              <a:rPr lang="en-IN" dirty="0">
+                <a:solidFill>
+                  <a:schemeClr val="tx2">
+                    <a:lumMod val="50000"/>
+                  </a:schemeClr>
+                </a:solidFill>
+                <a:latin typeface="Arial" panose="020B0604020202020204" pitchFamily="34" charset="0"/>
+                <a:cs typeface="Arial" panose="020B0604020202020204" pitchFamily="34" charset="0"/>
+              </a:rPr>
+              <a:t>For Database- SQL Server(XAMPP , Sql lite)</a:t>
+            </a:r>
+          </a:p>
+        </p:txBody>
+      </p:sp>
+      <p:sp>
+        <p:nvSpPr>
+          <p:cNvPr id="4" name="Rectangle 3">
+            <a:extLst>
+              <a:ext uri="{FF2B5EF4-FFF2-40B4-BE49-F238E27FC236}">
+                <a16:creationId xmlns:a16="http://schemas.microsoft.com/office/drawing/2014/main" id="{C54C721C-11FA-421E-9A58-21009CAE8944}"/>
+              </a:ext>
+            </a:extLst>
+          </p:cNvPr>
+          <p:cNvSpPr/>
+          <p:nvPr/>
+        </p:nvSpPr>
+        <p:spPr>
+          <a:xfrm>
+            <a:off x="229290" y="336678"/>
+            <a:ext cx="5571782" cy="769441"/>
+          </a:xfrm>
+          <a:prstGeom prst="rect">
+            <a:avLst/>
+          </a:prstGeom>
+          <a:noFill/>
+        </p:spPr>
+        <p:txBody>
+          <a:bodyPr wrap="none" lIns="91440" tIns="45720" rIns="91440" bIns="45720">
+            <a:spAutoFit/>
+            <a:scene3d>
+              <a:camera prst="orthographicFront"/>
+              <a:lightRig rig="harsh" dir="t"/>
+            </a:scene3d>
+            <a:sp3d extrusionH="57150" prstMaterial="matte">
+              <a:bevelT w="63500" h="12700" prst="angle"/>
+              <a:contourClr>
+                <a:schemeClr val="bg1">
+                  <a:lumMod val="65000"/>
+                </a:schemeClr>
+              </a:contourClr>
+            </a:sp3d>
+          </a:bodyPr>
+          <a:lstStyle/>
+          <a:p>
+            <a:pPr algn="ctr"/>
+            <a:r>
+              <a:rPr lang="en-US" sz="4400" cap="none" spc="0" dirty="0">
+                <a:ln/>
+                <a:solidFill>
+                  <a:srgbClr val="7030A0"/>
+                </a:solidFill>
+                <a:effectLst/>
+                <a:latin typeface="Arial" panose="020B0604020202020204" pitchFamily="34" charset="0"/>
+                <a:cs typeface="Arial" panose="020B0604020202020204" pitchFamily="34" charset="0"/>
+              </a:rPr>
+              <a:t>Tools </a:t>
+            </a:r>
+            <a:r>
+              <a:rPr lang="en-US" sz="4400" dirty="0">
+                <a:ln/>
+                <a:solidFill>
+                  <a:srgbClr val="7030A0"/>
+                </a:solidFill>
+                <a:latin typeface="Arial" panose="020B0604020202020204" pitchFamily="34" charset="0"/>
+                <a:cs typeface="Arial" panose="020B0604020202020204" pitchFamily="34" charset="0"/>
+              </a:rPr>
+              <a:t>&amp; </a:t>
+            </a:r>
+            <a:r>
+              <a:rPr lang="en-US" sz="4400" cap="none" spc="0" dirty="0">
+                <a:ln/>
+                <a:solidFill>
+                  <a:srgbClr val="7030A0"/>
+                </a:solidFill>
+                <a:effectLst/>
+                <a:latin typeface="Arial" panose="020B0604020202020204" pitchFamily="34" charset="0"/>
+                <a:cs typeface="Arial" panose="020B0604020202020204" pitchFamily="34" charset="0"/>
+              </a:rPr>
+              <a:t>Technology</a:t>
+            </a:r>
+            <a:r>
+              <a:rPr lang="en-US" sz="4400" b="1" cap="none" spc="0" dirty="0">
+                <a:ln/>
+                <a:solidFill>
+                  <a:srgbClr val="7030A0"/>
+                </a:solidFill>
+                <a:effectLst/>
+                <a:latin typeface="Arial" panose="020B0604020202020204" pitchFamily="34" charset="0"/>
+                <a:cs typeface="Arial" panose="020B0604020202020204" pitchFamily="34" charset="0"/>
+              </a:rPr>
+              <a:t> :-</a:t>
+            </a:r>
+          </a:p>
+        </p:txBody>
+      </p:sp>
+      <p:pic>
+        <p:nvPicPr>
+          <p:cNvPr id="3074" name="Picture 2" descr="Image result for movie booking">
+            <a:extLst>
+              <a:ext uri="{FF2B5EF4-FFF2-40B4-BE49-F238E27FC236}">
+                <a16:creationId xmlns:a16="http://schemas.microsoft.com/office/drawing/2014/main" id="{D60517DC-99B2-4C93-8135-E75B8E2BA7A5}"/>
+              </a:ext>
+            </a:extLst>
+          </p:cNvPr>
+          <p:cNvPicPr>
+            <a:picLocks noChangeAspect="1" noChangeArrowheads="1"/>
+          </p:cNvPicPr>
+          <p:nvPr/>
+        </p:nvPicPr>
+        <p:blipFill>
+          <a:blip r:embed="rId2">
+            <a:extLst>
+              <a:ext uri="{28A0092B-C50C-407E-A947-70E740481C1C}">
+                <a14:useLocalDpi xmlns:a14="http://schemas.microsoft.com/office/drawing/2010/main" val="0"/>
+              </a:ext>
+            </a:extLst>
+          </a:blip>
+          <a:srcRect/>
+          <a:stretch>
+            <a:fillRect/>
+          </a:stretch>
+        </p:blipFill>
+        <p:spPr bwMode="auto">
+          <a:xfrm rot="359688">
+            <a:off x="6658782" y="5086949"/>
+            <a:ext cx="2809875" cy="1628775"/>
+          </a:xfrm>
+          <a:prstGeom prst="rect">
+            <a:avLst/>
+          </a:prstGeom>
+          <a:noFill/>
+          <a:extLst>
+            <a:ext uri="{909E8E84-426E-40DD-AFC4-6F175D3DCCD1}">
+              <a14:hiddenFill xmlns:a14="http://schemas.microsoft.com/office/drawing/2010/main">
+                <a:solidFill>
+                  <a:srgbClr val="FFFFFF"/>
+                </a:solidFill>
+              </a14:hiddenFill>
+            </a:ext>
+          </a:extLst>
+        </p:spPr>
+      </p:pic>
+    </p:spTree>
+    <p:extLst>
+      <p:ext uri="{BB962C8B-B14F-4D97-AF65-F5344CB8AC3E}">
+        <p14:creationId xmlns:p14="http://schemas.microsoft.com/office/powerpoint/2010/main" val="3496159127"/>
+      </p:ext>
+    </p:extLst>
+  </p:cSld>
+  <p:clrMapOvr>
+    <a:masterClrMapping/>
+  </p:clrMapOvr>
+</p:sld>
+</file>
+
+<file path=ppt/slides/slide12.xml><?xml version="1.0" encoding="utf-8"?>
+<p:sld xmlns:a="http://schemas.openxmlformats.org/drawingml/2006/main" xmlns:r="http://schemas.openxmlformats.org/officeDocument/2006/relationships" xmlns:p="http://schemas.openxmlformats.org/presentationml/2006/main">
+  <p:cSld>
+    <p:spTree>
+      <p:nvGrpSpPr>
+        <p:cNvPr id="1" name=""/>
+        <p:cNvGrpSpPr/>
+        <p:nvPr/>
+      </p:nvGrpSpPr>
+      <p:grpSpPr>
+        <a:xfrm>
+          <a:off x="0" y="0"/>
+          <a:ext cx="0" cy="0"/>
+          <a:chOff x="0" y="0"/>
+          <a:chExt cx="0" cy="0"/>
+        </a:xfrm>
+      </p:grpSpPr>
+      <p:sp>
+        <p:nvSpPr>
+          <p:cNvPr id="8" name="Content Placeholder 7">
+            <a:extLst>
+              <a:ext uri="{FF2B5EF4-FFF2-40B4-BE49-F238E27FC236}">
+                <a16:creationId xmlns:a16="http://schemas.microsoft.com/office/drawing/2014/main" id="{46770015-E5A0-4A49-AA10-DC674AC27813}"/>
+              </a:ext>
+            </a:extLst>
+          </p:cNvPr>
+          <p:cNvSpPr>
+            <a:spLocks noGrp="1"/>
+          </p:cNvSpPr>
+          <p:nvPr>
+            <p:ph idx="1"/>
+          </p:nvPr>
+        </p:nvSpPr>
+        <p:spPr>
+          <a:xfrm>
+            <a:off x="606995" y="1837032"/>
+            <a:ext cx="9057509" cy="4732580"/>
+          </a:xfrm>
+        </p:spPr>
+        <p:txBody>
+          <a:bodyPr/>
+          <a:lstStyle/>
+          <a:p>
+            <a:r>
+              <a:rPr lang="en-IN" sz="2000" dirty="0">
+                <a:solidFill>
+                  <a:schemeClr val="accent3">
+                    <a:lumMod val="50000"/>
+                  </a:schemeClr>
+                </a:solidFill>
+                <a:hlinkClick r:id="rId2" action="ppaction://hlinkfile">
+                  <a:extLst>
+                    <a:ext uri="{A12FA001-AC4F-418D-AE19-62706E023703}">
+                      <ahyp:hlinkClr xmlns:ahyp="http://schemas.microsoft.com/office/drawing/2018/hyperlinkcolor" val="tx"/>
+                    </a:ext>
+                  </a:extLst>
+                </a:hlinkClick>
+              </a:rPr>
+              <a:t>Class Diagram</a:t>
+            </a:r>
+            <a:endParaRPr lang="en-IN" sz="2000" dirty="0">
+              <a:solidFill>
+                <a:schemeClr val="accent3">
+                  <a:lumMod val="50000"/>
+                </a:schemeClr>
+              </a:solidFill>
+            </a:endParaRPr>
+          </a:p>
+          <a:p>
+            <a:r>
+              <a:rPr lang="en-IN" sz="2000" dirty="0">
+                <a:solidFill>
+                  <a:schemeClr val="accent3">
+                    <a:lumMod val="50000"/>
+                  </a:schemeClr>
+                </a:solidFill>
+                <a:hlinkClick r:id="rId3" action="ppaction://hlinkfile">
+                  <a:extLst>
+                    <a:ext uri="{A12FA001-AC4F-418D-AE19-62706E023703}">
+                      <ahyp:hlinkClr xmlns:ahyp="http://schemas.microsoft.com/office/drawing/2018/hyperlinkcolor" val="tx"/>
+                    </a:ext>
+                  </a:extLst>
+                </a:hlinkClick>
+              </a:rPr>
+              <a:t>Component Diagram</a:t>
+            </a:r>
+            <a:endParaRPr lang="en-IN" sz="2000" dirty="0">
+              <a:solidFill>
+                <a:schemeClr val="accent3">
+                  <a:lumMod val="50000"/>
+                </a:schemeClr>
+              </a:solidFill>
+            </a:endParaRPr>
+          </a:p>
+          <a:p>
+            <a:r>
+              <a:rPr lang="en-IN" sz="2000" dirty="0">
+                <a:solidFill>
+                  <a:schemeClr val="accent3">
+                    <a:lumMod val="50000"/>
+                  </a:schemeClr>
+                </a:solidFill>
+                <a:hlinkClick r:id="rId4" action="ppaction://hlinkfile">
+                  <a:extLst>
+                    <a:ext uri="{A12FA001-AC4F-418D-AE19-62706E023703}">
+                      <ahyp:hlinkClr xmlns:ahyp="http://schemas.microsoft.com/office/drawing/2018/hyperlinkcolor" val="tx"/>
+                    </a:ext>
+                  </a:extLst>
+                </a:hlinkClick>
+              </a:rPr>
+              <a:t>Use case Diagram</a:t>
+            </a:r>
+            <a:endParaRPr lang="en-IN" sz="2000" dirty="0">
+              <a:solidFill>
+                <a:schemeClr val="accent3">
+                  <a:lumMod val="50000"/>
+                </a:schemeClr>
+              </a:solidFill>
+            </a:endParaRPr>
+          </a:p>
+          <a:p>
+            <a:r>
+              <a:rPr lang="en-IN" sz="2000" dirty="0">
+                <a:solidFill>
+                  <a:schemeClr val="accent3">
+                    <a:lumMod val="50000"/>
+                  </a:schemeClr>
+                </a:solidFill>
+                <a:hlinkClick r:id="rId5" action="ppaction://hlinkfile">
+                  <a:extLst>
+                    <a:ext uri="{A12FA001-AC4F-418D-AE19-62706E023703}">
+                      <ahyp:hlinkClr xmlns:ahyp="http://schemas.microsoft.com/office/drawing/2018/hyperlinkcolor" val="tx"/>
+                    </a:ext>
+                  </a:extLst>
+                </a:hlinkClick>
+              </a:rPr>
+              <a:t>Sequence Diagram</a:t>
+            </a:r>
+            <a:endParaRPr lang="en-IN" sz="2000" dirty="0">
+              <a:solidFill>
+                <a:schemeClr val="accent3">
+                  <a:lumMod val="50000"/>
+                </a:schemeClr>
+              </a:solidFill>
+            </a:endParaRPr>
+          </a:p>
+          <a:p>
+            <a:r>
+              <a:rPr lang="en-IN" sz="2000" dirty="0">
+                <a:solidFill>
+                  <a:schemeClr val="accent3">
+                    <a:lumMod val="50000"/>
+                  </a:schemeClr>
+                </a:solidFill>
+                <a:hlinkClick r:id="rId6" action="ppaction://hlinkfile">
+                  <a:extLst>
+                    <a:ext uri="{A12FA001-AC4F-418D-AE19-62706E023703}">
+                      <ahyp:hlinkClr xmlns:ahyp="http://schemas.microsoft.com/office/drawing/2018/hyperlinkcolor" val="tx"/>
+                    </a:ext>
+                  </a:extLst>
+                </a:hlinkClick>
+              </a:rPr>
+              <a:t>State diagram</a:t>
+            </a:r>
+            <a:endParaRPr lang="en-IN" sz="2000" dirty="0">
+              <a:solidFill>
+                <a:schemeClr val="accent3">
+                  <a:lumMod val="50000"/>
+                </a:schemeClr>
+              </a:solidFill>
+            </a:endParaRPr>
+          </a:p>
+          <a:p>
+            <a:r>
+              <a:rPr lang="en-IN" sz="2000" dirty="0">
+                <a:solidFill>
+                  <a:schemeClr val="accent3">
+                    <a:lumMod val="50000"/>
+                  </a:schemeClr>
+                </a:solidFill>
+                <a:hlinkClick r:id="rId7" action="ppaction://hlinkfile">
+                  <a:extLst>
+                    <a:ext uri="{A12FA001-AC4F-418D-AE19-62706E023703}">
+                      <ahyp:hlinkClr xmlns:ahyp="http://schemas.microsoft.com/office/drawing/2018/hyperlinkcolor" val="tx"/>
+                    </a:ext>
+                  </a:extLst>
+                </a:hlinkClick>
+              </a:rPr>
+              <a:t>Entity-Relationship Diagram</a:t>
+            </a:r>
+            <a:endParaRPr lang="en-IN" sz="2000" dirty="0">
+              <a:solidFill>
+                <a:schemeClr val="accent3">
+                  <a:lumMod val="50000"/>
+                </a:schemeClr>
+              </a:solidFill>
+            </a:endParaRPr>
+          </a:p>
+          <a:p>
+            <a:r>
+              <a:rPr lang="en-IN" sz="2000" dirty="0">
+                <a:solidFill>
+                  <a:schemeClr val="accent3">
+                    <a:lumMod val="50000"/>
+                  </a:schemeClr>
+                </a:solidFill>
+              </a:rPr>
+              <a:t>Data Flow Diagram :-</a:t>
+            </a:r>
+          </a:p>
+          <a:p>
+            <a:pPr lvl="1">
+              <a:buFont typeface="Wingdings" panose="05000000000000000000" pitchFamily="2" charset="2"/>
+              <a:buChar char="v"/>
+            </a:pPr>
+            <a:r>
+              <a:rPr lang="en-IN" sz="2000" dirty="0">
+                <a:solidFill>
+                  <a:schemeClr val="accent3">
+                    <a:lumMod val="50000"/>
+                  </a:schemeClr>
+                </a:solidFill>
+                <a:hlinkClick r:id="rId8" action="ppaction://hlinkfile">
+                  <a:extLst>
+                    <a:ext uri="{A12FA001-AC4F-418D-AE19-62706E023703}">
+                      <ahyp:hlinkClr xmlns:ahyp="http://schemas.microsoft.com/office/drawing/2018/hyperlinkcolor" val="tx"/>
+                    </a:ext>
+                  </a:extLst>
+                </a:hlinkClick>
+              </a:rPr>
+              <a:t>DFD Level-0</a:t>
+            </a:r>
+            <a:endParaRPr lang="en-IN" sz="2000" dirty="0">
+              <a:solidFill>
+                <a:schemeClr val="accent3">
+                  <a:lumMod val="50000"/>
+                </a:schemeClr>
+              </a:solidFill>
+            </a:endParaRPr>
+          </a:p>
+          <a:p>
+            <a:pPr lvl="1">
+              <a:buFont typeface="Wingdings" panose="05000000000000000000" pitchFamily="2" charset="2"/>
+              <a:buChar char="v"/>
+            </a:pPr>
+            <a:r>
+              <a:rPr lang="en-IN" sz="2000" dirty="0">
+                <a:solidFill>
+                  <a:schemeClr val="accent3">
+                    <a:lumMod val="50000"/>
+                  </a:schemeClr>
+                </a:solidFill>
+                <a:hlinkClick r:id="rId9" action="ppaction://hlinkfile">
+                  <a:extLst>
+                    <a:ext uri="{A12FA001-AC4F-418D-AE19-62706E023703}">
+                      <ahyp:hlinkClr xmlns:ahyp="http://schemas.microsoft.com/office/drawing/2018/hyperlinkcolor" val="tx"/>
+                    </a:ext>
+                  </a:extLst>
+                </a:hlinkClick>
+              </a:rPr>
+              <a:t>DFD Level-1</a:t>
+            </a:r>
+            <a:endParaRPr lang="en-IN" sz="2000" dirty="0">
+              <a:solidFill>
+                <a:schemeClr val="accent3">
+                  <a:lumMod val="50000"/>
+                </a:schemeClr>
+              </a:solidFill>
+            </a:endParaRPr>
+          </a:p>
+          <a:p>
+            <a:endParaRPr lang="en-IN" sz="2000" dirty="0"/>
+          </a:p>
+          <a:p>
+            <a:endParaRPr lang="en-IN" dirty="0"/>
+          </a:p>
+        </p:txBody>
+      </p:sp>
+      <p:sp>
+        <p:nvSpPr>
+          <p:cNvPr id="2" name="Rectangle 1">
+            <a:extLst>
+              <a:ext uri="{FF2B5EF4-FFF2-40B4-BE49-F238E27FC236}">
+                <a16:creationId xmlns:a16="http://schemas.microsoft.com/office/drawing/2014/main" id="{030A0C8E-F09F-4319-9341-0667DF4CAF5C}"/>
+              </a:ext>
+            </a:extLst>
+          </p:cNvPr>
+          <p:cNvSpPr/>
+          <p:nvPr/>
+        </p:nvSpPr>
+        <p:spPr>
+          <a:xfrm>
+            <a:off x="1896982" y="283939"/>
+            <a:ext cx="6618222" cy="1323439"/>
+          </a:xfrm>
+          <a:prstGeom prst="rect">
+            <a:avLst/>
+          </a:prstGeom>
+          <a:noFill/>
+        </p:spPr>
+        <p:txBody>
+          <a:bodyPr wrap="none" lIns="91440" tIns="45720" rIns="91440" bIns="45720">
+            <a:spAutoFit/>
+          </a:bodyPr>
+          <a:lstStyle/>
+          <a:p>
+            <a:pPr algn="ctr"/>
+            <a:r>
+              <a:rPr lang="en-US" altLang="en-US" sz="4000" b="1" spc="50" dirty="0">
+                <a:ln w="0"/>
+                <a:solidFill>
+                  <a:schemeClr val="accent6">
+                    <a:lumMod val="75000"/>
+                  </a:schemeClr>
+                </a:solidFill>
+                <a:effectLst>
+                  <a:innerShdw blurRad="63500" dist="50800" dir="13500000">
+                    <a:srgbClr val="000000">
+                      <a:alpha val="50000"/>
+                    </a:srgbClr>
+                  </a:innerShdw>
+                </a:effectLst>
+                <a:latin typeface="Arial" panose="020B0604020202020204" pitchFamily="34" charset="0"/>
+                <a:cs typeface="Arial" panose="020B0604020202020204" pitchFamily="34" charset="0"/>
+              </a:rPr>
+              <a:t>Proposed Methodology</a:t>
+            </a:r>
+          </a:p>
+          <a:p>
+            <a:pPr algn="ctr"/>
+            <a:r>
+              <a:rPr lang="en-US" altLang="en-US" sz="4000" b="1" spc="50" dirty="0">
+                <a:ln w="0"/>
+                <a:solidFill>
+                  <a:schemeClr val="accent6">
+                    <a:lumMod val="75000"/>
+                  </a:schemeClr>
+                </a:solidFill>
+                <a:effectLst>
+                  <a:innerShdw blurRad="63500" dist="50800" dir="13500000">
+                    <a:srgbClr val="000000">
+                      <a:alpha val="50000"/>
+                    </a:srgbClr>
+                  </a:innerShdw>
+                </a:effectLst>
+                <a:latin typeface="Arial" panose="020B0604020202020204" pitchFamily="34" charset="0"/>
+                <a:cs typeface="Arial" panose="020B0604020202020204" pitchFamily="34" charset="0"/>
+              </a:rPr>
+              <a:t>(linked To UML Diagrams)</a:t>
+            </a:r>
+            <a:endParaRPr lang="en-US" sz="4000" b="1" spc="50" dirty="0">
+              <a:ln w="0"/>
+              <a:solidFill>
+                <a:schemeClr val="accent6">
+                  <a:lumMod val="75000"/>
+                </a:schemeClr>
+              </a:solidFill>
+              <a:effectLst>
+                <a:innerShdw blurRad="63500" dist="50800" dir="13500000">
+                  <a:srgbClr val="000000">
+                    <a:alpha val="50000"/>
+                  </a:srgbClr>
+                </a:innerShdw>
+              </a:effectLst>
+            </a:endParaRPr>
+          </a:p>
+        </p:txBody>
+      </p:sp>
+    </p:spTree>
+    <p:extLst>
+      <p:ext uri="{BB962C8B-B14F-4D97-AF65-F5344CB8AC3E}">
+        <p14:creationId xmlns:p14="http://schemas.microsoft.com/office/powerpoint/2010/main" val="784566856"/>
+      </p:ext>
+    </p:extLst>
+  </p:cSld>
+  <p:clrMapOvr>
+    <a:masterClrMapping/>
+  </p:clrMapOvr>
+</p:sld>
+</file>
+
+<file path=ppt/slides/slide13.xml><?xml version="1.0" encoding="utf-8"?>
+<p:sld xmlns:a="http://schemas.openxmlformats.org/drawingml/2006/main" xmlns:r="http://schemas.openxmlformats.org/officeDocument/2006/relationships" xmlns:p="http://schemas.openxmlformats.org/presentationml/2006/main">
+  <p:cSld>
+    <p:spTree>
+      <p:nvGrpSpPr>
+        <p:cNvPr id="1" name=""/>
+        <p:cNvGrpSpPr/>
+        <p:nvPr/>
+      </p:nvGrpSpPr>
+      <p:grpSpPr>
+        <a:xfrm>
+          <a:off x="0" y="0"/>
+          <a:ext cx="0" cy="0"/>
+          <a:chOff x="0" y="0"/>
+          <a:chExt cx="0" cy="0"/>
+        </a:xfrm>
+      </p:grpSpPr>
+      <p:sp>
+        <p:nvSpPr>
+          <p:cNvPr id="3" name="Content Placeholder 2">
+            <a:extLst>
+              <a:ext uri="{FF2B5EF4-FFF2-40B4-BE49-F238E27FC236}">
+                <a16:creationId xmlns:a16="http://schemas.microsoft.com/office/drawing/2014/main" id="{242627DC-1FA9-4086-994C-39E86EE01FB1}"/>
+              </a:ext>
+            </a:extLst>
+          </p:cNvPr>
+          <p:cNvSpPr>
+            <a:spLocks noGrp="1"/>
+          </p:cNvSpPr>
+          <p:nvPr>
+            <p:ph idx="1"/>
+          </p:nvPr>
+        </p:nvSpPr>
+        <p:spPr>
+          <a:xfrm>
+            <a:off x="663266" y="1488613"/>
+            <a:ext cx="8596668" cy="3880773"/>
+          </a:xfrm>
+        </p:spPr>
+        <p:txBody>
+          <a:bodyPr>
+            <a:normAutofit/>
+          </a:bodyPr>
+          <a:lstStyle/>
+          <a:p>
+            <a:r>
+              <a:rPr lang="en-IN" sz="2000" dirty="0">
+                <a:cs typeface="Arial" panose="020B0604020202020204" pitchFamily="34" charset="0"/>
+              </a:rPr>
+              <a:t>Box-office is further improvement on the  old movie booking with the help of machine learning it increase growth of selling movie tickets.</a:t>
+            </a:r>
+          </a:p>
+          <a:p>
+            <a:r>
+              <a:rPr lang="en-IN" sz="2000" dirty="0">
+                <a:cs typeface="Arial" panose="020B0604020202020204" pitchFamily="34" charset="0"/>
+              </a:rPr>
+              <a:t>From customer point of view box-office helps them find the relevant movie and discounts.</a:t>
+            </a:r>
+          </a:p>
+          <a:p>
+            <a:r>
+              <a:rPr lang="en-IN" sz="2000" dirty="0">
+                <a:cs typeface="Arial" panose="020B0604020202020204" pitchFamily="34" charset="0"/>
+              </a:rPr>
+              <a:t>Movie recommender increases the growth of entertainment industry.</a:t>
+            </a:r>
+          </a:p>
+          <a:p>
+            <a:r>
+              <a:rPr lang="en-IN" sz="2000" dirty="0">
+                <a:cs typeface="Arial" panose="020B0604020202020204" pitchFamily="34" charset="0"/>
+              </a:rPr>
+              <a:t>Each type of movie booking becomes customer specific.</a:t>
+            </a:r>
+          </a:p>
+          <a:p>
+            <a:r>
+              <a:rPr lang="en-IN" sz="2000" dirty="0">
+                <a:cs typeface="Arial" panose="020B0604020202020204" pitchFamily="34" charset="0"/>
+              </a:rPr>
+              <a:t>More efficient way of using movie-booking system.</a:t>
+            </a:r>
+          </a:p>
+        </p:txBody>
+      </p:sp>
+      <p:sp>
+        <p:nvSpPr>
+          <p:cNvPr id="4" name="Rectangle 3">
+            <a:extLst>
+              <a:ext uri="{FF2B5EF4-FFF2-40B4-BE49-F238E27FC236}">
+                <a16:creationId xmlns:a16="http://schemas.microsoft.com/office/drawing/2014/main" id="{54752E26-E611-43B0-9EA0-4F5588911B2A}"/>
+              </a:ext>
+            </a:extLst>
+          </p:cNvPr>
+          <p:cNvSpPr/>
+          <p:nvPr/>
+        </p:nvSpPr>
+        <p:spPr>
+          <a:xfrm>
+            <a:off x="795229" y="252270"/>
+            <a:ext cx="5301451" cy="923330"/>
+          </a:xfrm>
+          <a:prstGeom prst="rect">
+            <a:avLst/>
+          </a:prstGeom>
+          <a:noFill/>
+        </p:spPr>
+        <p:txBody>
+          <a:bodyPr wrap="none" lIns="91440" tIns="45720" rIns="91440" bIns="45720">
+            <a:spAutoFit/>
+          </a:bodyPr>
+          <a:lstStyle/>
+          <a:p>
+            <a:pPr>
+              <a:buClr>
+                <a:schemeClr val="accent2">
+                  <a:lumMod val="75000"/>
+                </a:schemeClr>
+              </a:buClr>
+            </a:pPr>
+            <a:r>
+              <a:rPr lang="en-IN" sz="5400" b="1" dirty="0">
+                <a:ln w="12700">
+                  <a:solidFill>
+                    <a:schemeClr val="tx2">
+                      <a:lumMod val="75000"/>
+                    </a:schemeClr>
+                  </a:solidFill>
+                  <a:prstDash val="solid"/>
+                </a:ln>
+                <a:pattFill prst="dkUpDiag">
+                  <a:fgClr>
+                    <a:schemeClr val="tx2"/>
+                  </a:fgClr>
+                  <a:bgClr>
+                    <a:schemeClr val="tx2">
+                      <a:lumMod val="20000"/>
+                      <a:lumOff val="80000"/>
+                    </a:schemeClr>
+                  </a:bgClr>
+                </a:pattFill>
+                <a:effectLst>
+                  <a:outerShdw dist="38100" dir="2640000" algn="bl" rotWithShape="0">
+                    <a:schemeClr val="tx2">
+                      <a:lumMod val="75000"/>
+                    </a:schemeClr>
+                  </a:outerShdw>
+                </a:effectLst>
+                <a:latin typeface="Arial" panose="020B0604020202020204" pitchFamily="34" charset="0"/>
+                <a:cs typeface="Arial" panose="020B0604020202020204" pitchFamily="34" charset="0"/>
+              </a:rPr>
+              <a:t>CONCLUSION:-</a:t>
+            </a:r>
+          </a:p>
+        </p:txBody>
+      </p:sp>
+    </p:spTree>
+    <p:extLst>
+      <p:ext uri="{BB962C8B-B14F-4D97-AF65-F5344CB8AC3E}">
+        <p14:creationId xmlns:p14="http://schemas.microsoft.com/office/powerpoint/2010/main" val="1109871733"/>
+      </p:ext>
+    </p:extLst>
+  </p:cSld>
+  <p:clrMapOvr>
+    <a:masterClrMapping/>
+  </p:clrMapOvr>
+</p:sld>
+</file>
+
+<file path=ppt/slides/slide14.xml><?xml version="1.0" encoding="utf-8"?>
+<p:sld xmlns:a="http://schemas.openxmlformats.org/drawingml/2006/main" xmlns:r="http://schemas.openxmlformats.org/officeDocument/2006/relationships" xmlns:p="http://schemas.openxmlformats.org/presentationml/2006/main">
+  <p:cSld>
+    <p:spTree>
+      <p:nvGrpSpPr>
+        <p:cNvPr id="1" name=""/>
+        <p:cNvGrpSpPr/>
+        <p:nvPr/>
+      </p:nvGrpSpPr>
+      <p:grpSpPr>
+        <a:xfrm>
+          <a:off x="0" y="0"/>
+          <a:ext cx="0" cy="0"/>
+          <a:chOff x="0" y="0"/>
+          <a:chExt cx="0" cy="0"/>
+        </a:xfrm>
+      </p:grpSpPr>
+      <p:sp>
+        <p:nvSpPr>
+          <p:cNvPr id="4" name="Rectangle 3">
+            <a:extLst>
+              <a:ext uri="{FF2B5EF4-FFF2-40B4-BE49-F238E27FC236}">
+                <a16:creationId xmlns:a16="http://schemas.microsoft.com/office/drawing/2014/main" id="{AF32EE56-6523-498B-B12E-677C0BF59BF1}"/>
+              </a:ext>
+            </a:extLst>
+          </p:cNvPr>
+          <p:cNvSpPr/>
+          <p:nvPr/>
+        </p:nvSpPr>
+        <p:spPr>
+          <a:xfrm>
+            <a:off x="1043407" y="452735"/>
+            <a:ext cx="5876096" cy="769441"/>
+          </a:xfrm>
+          <a:prstGeom prst="rect">
+            <a:avLst/>
+          </a:prstGeom>
+          <a:noFill/>
+        </p:spPr>
+        <p:txBody>
+          <a:bodyPr wrap="none" lIns="91440" tIns="45720" rIns="91440" bIns="45720">
+            <a:spAutoFit/>
+            <a:scene3d>
+              <a:camera prst="orthographicFront"/>
+              <a:lightRig rig="soft" dir="t">
+                <a:rot lat="0" lon="0" rev="15600000"/>
+              </a:lightRig>
+            </a:scene3d>
+            <a:sp3d extrusionH="57150" prstMaterial="softEdge">
+              <a:bevelT w="25400" h="38100"/>
+            </a:sp3d>
+          </a:bodyPr>
+          <a:lstStyle/>
+          <a:p>
+            <a:pPr algn="ctr"/>
+            <a:r>
+              <a:rPr lang="en-US" sz="4400" b="1" cap="none" spc="0" dirty="0">
+                <a:ln/>
+                <a:solidFill>
+                  <a:schemeClr val="tx2">
+                    <a:lumMod val="75000"/>
+                  </a:schemeClr>
+                </a:solidFill>
+                <a:effectLst/>
+              </a:rPr>
+              <a:t>Future Improvements</a:t>
+            </a:r>
+          </a:p>
+        </p:txBody>
+      </p:sp>
+      <p:sp>
+        <p:nvSpPr>
+          <p:cNvPr id="6" name="Text Placeholder 5">
+            <a:extLst>
+              <a:ext uri="{FF2B5EF4-FFF2-40B4-BE49-F238E27FC236}">
+                <a16:creationId xmlns:a16="http://schemas.microsoft.com/office/drawing/2014/main" id="{D5151801-93A3-42B1-A9AE-7E3DBCC47FB3}"/>
+              </a:ext>
+            </a:extLst>
+          </p:cNvPr>
+          <p:cNvSpPr>
+            <a:spLocks noGrp="1"/>
+          </p:cNvSpPr>
+          <p:nvPr>
+            <p:ph type="body" idx="1"/>
+          </p:nvPr>
+        </p:nvSpPr>
+        <p:spPr>
+          <a:xfrm>
+            <a:off x="1043407" y="1827109"/>
+            <a:ext cx="8596668" cy="3073503"/>
+          </a:xfrm>
+        </p:spPr>
+        <p:txBody>
+          <a:bodyPr>
+            <a:normAutofit/>
+          </a:bodyPr>
+          <a:lstStyle/>
+          <a:p>
+            <a:pPr marL="342900" indent="-342900">
+              <a:buFont typeface="Wingdings" panose="05000000000000000000" pitchFamily="2" charset="2"/>
+              <a:buChar char="Ø"/>
+            </a:pPr>
+            <a:r>
+              <a:rPr lang="en-IN" dirty="0">
+                <a:solidFill>
+                  <a:srgbClr val="002060"/>
+                </a:solidFill>
+              </a:rPr>
+              <a:t>Currently system supports machine learning with intervention of human to keep check on through the help of artificial intelligence we can completely automate system.</a:t>
+            </a:r>
+          </a:p>
+          <a:p>
+            <a:pPr marL="342900" indent="-342900">
+              <a:buFont typeface="Wingdings" panose="05000000000000000000" pitchFamily="2" charset="2"/>
+              <a:buChar char="Ø"/>
+            </a:pPr>
+            <a:r>
+              <a:rPr lang="en-IN" dirty="0">
+                <a:solidFill>
+                  <a:srgbClr val="002060"/>
+                </a:solidFill>
+              </a:rPr>
+              <a:t>Movie booking system keeps each customer booking (supervised data) what if the system keeps track of unsupervised data that is keep track of cancellations and improve to customer preference.</a:t>
+            </a:r>
+          </a:p>
+        </p:txBody>
+      </p:sp>
+    </p:spTree>
+    <p:extLst>
+      <p:ext uri="{BB962C8B-B14F-4D97-AF65-F5344CB8AC3E}">
+        <p14:creationId xmlns:p14="http://schemas.microsoft.com/office/powerpoint/2010/main" val="2660517869"/>
+      </p:ext>
+    </p:extLst>
+  </p:cSld>
+  <p:clrMapOvr>
+    <a:masterClrMapping/>
+  </p:clrMapOvr>
+</p:sld>
+</file>
+
+<file path=ppt/slides/slide15.xml><?xml version="1.0" encoding="utf-8"?>
+<p:sld xmlns:a="http://schemas.openxmlformats.org/drawingml/2006/main" xmlns:r="http://schemas.openxmlformats.org/officeDocument/2006/relationships" xmlns:p="http://schemas.openxmlformats.org/presentationml/2006/main">
+  <p:cSld>
+    <p:spTree>
+      <p:nvGrpSpPr>
+        <p:cNvPr id="1" name=""/>
+        <p:cNvGrpSpPr/>
+        <p:nvPr/>
+      </p:nvGrpSpPr>
+      <p:grpSpPr>
+        <a:xfrm>
+          <a:off x="0" y="0"/>
+          <a:ext cx="0" cy="0"/>
+          <a:chOff x="0" y="0"/>
+          <a:chExt cx="0" cy="0"/>
+        </a:xfrm>
+      </p:grpSpPr>
+      <p:sp>
+        <p:nvSpPr>
           <p:cNvPr id="4" name="Rectangle 3">
             <a:extLst>
               <a:ext uri="{FF2B5EF4-FFF2-40B4-BE49-F238E27FC236}">
@@ -12214,7 +13534,7 @@
 </p:sld>
 </file>
 
-<file path=ppt/slides/slide11.xml><?xml version="1.0" encoding="utf-8"?>
+<file path=ppt/slides/slide16.xml><?xml version="1.0" encoding="utf-8"?>
 <p:sld xmlns:a="http://schemas.openxmlformats.org/drawingml/2006/main" xmlns:r="http://schemas.openxmlformats.org/officeDocument/2006/relationships" xmlns:p="http://schemas.openxmlformats.org/presentationml/2006/main">
   <p:cSld>
     <p:spTree>
@@ -13582,7 +14902,7 @@
           <p:cNvPr id="3" name="Text Placeholder 2">
             <a:extLst>
               <a:ext uri="{FF2B5EF4-FFF2-40B4-BE49-F238E27FC236}">
-                <a16:creationId xmlns:a16="http://schemas.microsoft.com/office/drawing/2014/main" id="{CF15671B-24D4-4E43-869B-BEAF10477EE2}"/>
+                <a16:creationId xmlns:a16="http://schemas.microsoft.com/office/drawing/2014/main" id="{95DBB935-BF50-4951-8819-9CF9E853B605}"/>
               </a:ext>
             </a:extLst>
           </p:cNvPr>
@@ -13595,8 +14915,8 @@
         </p:nvSpPr>
         <p:spPr>
           <a:xfrm>
-            <a:off x="759282" y="1404420"/>
-            <a:ext cx="9031831" cy="3941303"/>
+            <a:off x="395982" y="1494769"/>
+            <a:ext cx="9338861" cy="5060776"/>
           </a:xfrm>
         </p:spPr>
         <p:txBody>
@@ -13606,141 +14926,101 @@
           <a:lstStyle/>
           <a:p>
             <a:pPr marL="342900" indent="-342900">
-              <a:buClr>
-                <a:schemeClr val="accent3">
-                  <a:lumMod val="50000"/>
-                </a:schemeClr>
-              </a:buClr>
               <a:buFont typeface="Wingdings" panose="05000000000000000000" pitchFamily="2" charset="2"/>
-              <a:buChar char="v"/>
+              <a:buChar char="Ø"/>
             </a:pPr>
             <a:r>
-              <a:rPr lang="en-IN" dirty="0">
-                <a:solidFill>
-                  <a:schemeClr val="accent5">
-                    <a:lumMod val="50000"/>
-                  </a:schemeClr>
-                </a:solidFill>
-                <a:latin typeface="Arial" panose="020B0604020202020204" pitchFamily="34" charset="0"/>
-                <a:cs typeface="Arial" panose="020B0604020202020204" pitchFamily="34" charset="0"/>
-              </a:rPr>
-              <a:t>Saves Customer time from physically go to theatre to buy tickets.</a:t>
+              <a:rPr lang="en-IN" dirty="0"/>
+              <a:t>Current Movie Booking System has managed to outdate the manual system of movie tickets.</a:t>
             </a:r>
           </a:p>
           <a:p>
             <a:pPr marL="342900" indent="-342900">
-              <a:buClr>
-                <a:schemeClr val="accent3">
-                  <a:lumMod val="50000"/>
-                </a:schemeClr>
-              </a:buClr>
               <a:buFont typeface="Wingdings" panose="05000000000000000000" pitchFamily="2" charset="2"/>
-              <a:buChar char="v"/>
+              <a:buChar char="Ø"/>
             </a:pPr>
             <a:r>
-              <a:rPr lang="en-IN" dirty="0">
-                <a:solidFill>
-                  <a:schemeClr val="accent5">
-                    <a:lumMod val="50000"/>
-                  </a:schemeClr>
-                </a:solidFill>
-                <a:latin typeface="Arial" panose="020B0604020202020204" pitchFamily="34" charset="0"/>
-                <a:cs typeface="Arial" panose="020B0604020202020204" pitchFamily="34" charset="0"/>
-              </a:rPr>
-              <a:t>Gives a variety of theatre to book tickets.</a:t>
+              <a:rPr lang="en-IN" dirty="0"/>
+              <a:t>As the technology grows even more the online move booking seems to lack customer specific system.</a:t>
             </a:r>
           </a:p>
           <a:p>
             <a:pPr marL="342900" indent="-342900">
-              <a:buClr>
-                <a:schemeClr val="accent3">
-                  <a:lumMod val="50000"/>
-                </a:schemeClr>
-              </a:buClr>
               <a:buFont typeface="Wingdings" panose="05000000000000000000" pitchFamily="2" charset="2"/>
-              <a:buChar char="v"/>
+              <a:buChar char="Ø"/>
             </a:pPr>
             <a:r>
-              <a:rPr lang="en-IN" dirty="0">
-                <a:solidFill>
-                  <a:schemeClr val="accent5">
-                    <a:lumMod val="50000"/>
-                  </a:schemeClr>
-                </a:solidFill>
-                <a:latin typeface="Arial" panose="020B0604020202020204" pitchFamily="34" charset="0"/>
-                <a:cs typeface="Arial" panose="020B0604020202020204" pitchFamily="34" charset="0"/>
-              </a:rPr>
-              <a:t>Review Each movie and theatre to improve experience next time.</a:t>
+              <a:rPr lang="en-IN" dirty="0"/>
+              <a:t>This case study is of finding places of improvement in current system to make customer experience of service more better.</a:t>
             </a:r>
           </a:p>
           <a:p>
             <a:pPr marL="342900" indent="-342900">
-              <a:buClr>
-                <a:schemeClr val="accent3">
-                  <a:lumMod val="50000"/>
-                </a:schemeClr>
-              </a:buClr>
               <a:buFont typeface="Wingdings" panose="05000000000000000000" pitchFamily="2" charset="2"/>
-              <a:buChar char="v"/>
+              <a:buChar char="Ø"/>
             </a:pPr>
             <a:r>
-              <a:rPr lang="en-IN" dirty="0">
-                <a:solidFill>
-                  <a:schemeClr val="accent5">
-                    <a:lumMod val="50000"/>
-                  </a:schemeClr>
-                </a:solidFill>
-                <a:latin typeface="Arial" panose="020B0604020202020204" pitchFamily="34" charset="0"/>
-                <a:cs typeface="Arial" panose="020B0604020202020204" pitchFamily="34" charset="0"/>
-              </a:rPr>
-              <a:t>Customer review enhance the system as machine learning works on the raw data.</a:t>
-            </a:r>
+              <a:rPr lang="en-IN" dirty="0"/>
+              <a:t>Below are the current Web Application on which case study is done :-</a:t>
+            </a:r>
+          </a:p>
+          <a:p>
+            <a:pPr marL="742950" lvl="1" indent="-285750">
+              <a:buFont typeface="Arial" panose="020B0604020202020204" pitchFamily="34" charset="0"/>
+              <a:buChar char="•"/>
+            </a:pPr>
+            <a:r>
+              <a:rPr lang="en-IN" b="1" dirty="0"/>
+              <a:t>Bookmyshow.com</a:t>
+            </a:r>
+          </a:p>
+          <a:p>
+            <a:pPr marL="742950" lvl="1" indent="-285750">
+              <a:buFont typeface="Arial" panose="020B0604020202020204" pitchFamily="34" charset="0"/>
+              <a:buChar char="•"/>
+            </a:pPr>
+            <a:r>
+              <a:rPr lang="en-IN" b="1" dirty="0"/>
+              <a:t>Paytm.com</a:t>
+            </a:r>
+          </a:p>
+          <a:p>
+            <a:pPr marL="742950" lvl="1" indent="-285750">
+              <a:buFont typeface="Arial" panose="020B0604020202020204" pitchFamily="34" charset="0"/>
+              <a:buChar char="•"/>
+            </a:pPr>
+            <a:r>
+              <a:rPr lang="en-IN" b="1" dirty="0"/>
+              <a:t>Justtickets.in</a:t>
+            </a:r>
+          </a:p>
+          <a:p>
+            <a:pPr marL="742950" lvl="1" indent="-285750">
+              <a:buFont typeface="Arial" panose="020B0604020202020204" pitchFamily="34" charset="0"/>
+              <a:buChar char="•"/>
+            </a:pPr>
+            <a:r>
+              <a:rPr lang="en-IN" b="1" dirty="0"/>
+              <a:t>PVRCinemas.com</a:t>
+            </a:r>
+          </a:p>
+          <a:p>
+            <a:pPr lvl="1"/>
+            <a:endParaRPr lang="en-IN" b="1" dirty="0"/>
+          </a:p>
+          <a:p>
+            <a:pPr marL="742950" lvl="1" indent="-285750">
+              <a:buFont typeface="Arial" panose="020B0604020202020204" pitchFamily="34" charset="0"/>
+              <a:buChar char="•"/>
+            </a:pPr>
+            <a:endParaRPr lang="en-IN" b="1" dirty="0"/>
           </a:p>
           <a:p>
             <a:pPr marL="342900" indent="-342900">
-              <a:buClr>
-                <a:schemeClr val="accent3">
-                  <a:lumMod val="50000"/>
-                </a:schemeClr>
-              </a:buClr>
               <a:buFont typeface="Wingdings" panose="05000000000000000000" pitchFamily="2" charset="2"/>
-              <a:buChar char="v"/>
+              <a:buChar char="Ø"/>
             </a:pPr>
-            <a:r>
-              <a:rPr lang="en-IN" dirty="0">
-                <a:solidFill>
-                  <a:schemeClr val="accent5">
-                    <a:lumMod val="50000"/>
-                  </a:schemeClr>
-                </a:solidFill>
-                <a:latin typeface="Arial" panose="020B0604020202020204" pitchFamily="34" charset="0"/>
-                <a:cs typeface="Arial" panose="020B0604020202020204" pitchFamily="34" charset="0"/>
-              </a:rPr>
-              <a:t>Provide enhance movie experience for customer.</a:t>
-            </a:r>
-          </a:p>
-          <a:p>
-            <a:pPr marL="342900" indent="-342900">
-              <a:buClr>
-                <a:schemeClr val="accent3">
-                  <a:lumMod val="50000"/>
-                </a:schemeClr>
-              </a:buClr>
-              <a:buFont typeface="Wingdings" panose="05000000000000000000" pitchFamily="2" charset="2"/>
-              <a:buChar char="v"/>
-            </a:pPr>
-            <a:r>
-              <a:rPr lang="en-IN" dirty="0">
-                <a:solidFill>
-                  <a:schemeClr val="accent5">
-                    <a:lumMod val="50000"/>
-                  </a:schemeClr>
-                </a:solidFill>
-                <a:latin typeface="Arial" panose="020B0604020202020204" pitchFamily="34" charset="0"/>
-                <a:cs typeface="Arial" panose="020B0604020202020204" pitchFamily="34" charset="0"/>
-              </a:rPr>
-              <a:t>Gives the relevant movies according to customer review.</a:t>
-            </a:r>
+            <a:endParaRPr lang="en-IN" dirty="0"/>
           </a:p>
         </p:txBody>
       </p:sp>
@@ -13749,7 +15029,7 @@
           <p:cNvPr id="4" name="Rectangle 3">
             <a:extLst>
               <a:ext uri="{FF2B5EF4-FFF2-40B4-BE49-F238E27FC236}">
-                <a16:creationId xmlns:a16="http://schemas.microsoft.com/office/drawing/2014/main" id="{6FDE8102-1CBC-4FDF-9734-DC6A91271C90}"/>
+                <a16:creationId xmlns:a16="http://schemas.microsoft.com/office/drawing/2014/main" id="{86E13E8A-170E-497A-949C-0FE398DEC1B5}"/>
               </a:ext>
             </a:extLst>
           </p:cNvPr>
@@ -13758,8 +15038,8 @@
         </p:nvSpPr>
         <p:spPr>
           <a:xfrm>
-            <a:off x="351320" y="407015"/>
-            <a:ext cx="6550768" cy="584775"/>
+            <a:off x="61733" y="463286"/>
+            <a:ext cx="4171335" cy="707886"/>
           </a:xfrm>
           <a:prstGeom prst="rect">
             <a:avLst/>
@@ -13772,74 +15052,32 @@
           </a:bodyPr>
           <a:lstStyle/>
           <a:p>
-            <a:pPr>
-              <a:buClr>
-                <a:schemeClr val="accent2">
-                  <a:lumMod val="75000"/>
-                </a:schemeClr>
-              </a:buClr>
-            </a:pPr>
-            <a:r>
-              <a:rPr lang="en-IN" sz="3200" dirty="0">
-                <a:solidFill>
-                  <a:schemeClr val="tx2">
+            <a:pPr algn="ctr"/>
+            <a:r>
+              <a:rPr lang="en-US" sz="4000" b="0" cap="none" spc="0" dirty="0">
+                <a:ln w="0"/>
+                <a:solidFill>
+                  <a:schemeClr val="accent4">
                     <a:lumMod val="75000"/>
                   </a:schemeClr>
                 </a:solidFill>
-                <a:latin typeface="Arial" panose="020B0604020202020204" pitchFamily="34" charset="0"/>
-                <a:cs typeface="Arial" panose="020B0604020202020204" pitchFamily="34" charset="0"/>
+                <a:effectLst>
+                  <a:outerShdw blurRad="38100" dist="19050" dir="2700000" algn="tl" rotWithShape="0">
+                    <a:schemeClr val="dk1">
+                      <a:alpha val="40000"/>
+                    </a:schemeClr>
+                  </a:outerShdw>
+                </a:effectLst>
               </a:rPr>
-              <a:t>IMPORTANCE</a:t>
-            </a:r>
-            <a:r>
-              <a:rPr lang="en-IN" sz="3200" dirty="0">
-                <a:solidFill>
-                  <a:schemeClr val="accent2">
-                    <a:lumMod val="50000"/>
-                  </a:schemeClr>
-                </a:solidFill>
-                <a:latin typeface="Arial" panose="020B0604020202020204" pitchFamily="34" charset="0"/>
-                <a:cs typeface="Arial" panose="020B0604020202020204" pitchFamily="34" charset="0"/>
-              </a:rPr>
-              <a:t> OF BOX-OFFICE :-</a:t>
-            </a:r>
-          </a:p>
-        </p:txBody>
-      </p:sp>
-      <p:pic>
-        <p:nvPicPr>
-          <p:cNvPr id="2" name="Picture 1">
-            <a:extLst>
-              <a:ext uri="{FF2B5EF4-FFF2-40B4-BE49-F238E27FC236}">
-                <a16:creationId xmlns:a16="http://schemas.microsoft.com/office/drawing/2014/main" id="{96CA3FFC-08DC-471D-9D2D-EE8F8FC57296}"/>
-              </a:ext>
-            </a:extLst>
-          </p:cNvPr>
-          <p:cNvPicPr>
-            <a:picLocks noChangeAspect="1"/>
-          </p:cNvPicPr>
-          <p:nvPr/>
-        </p:nvPicPr>
-        <p:blipFill>
-          <a:blip r:embed="rId2"/>
-          <a:stretch>
-            <a:fillRect/>
-          </a:stretch>
-        </p:blipFill>
-        <p:spPr>
-          <a:xfrm rot="341206">
-            <a:off x="4393591" y="4562965"/>
-            <a:ext cx="3686175" cy="2390775"/>
-          </a:xfrm>
-          <a:prstGeom prst="rect">
-            <a:avLst/>
-          </a:prstGeom>
-        </p:spPr>
-      </p:pic>
+              <a:t>Literature Survey</a:t>
+            </a:r>
+          </a:p>
+        </p:txBody>
+      </p:sp>
     </p:spTree>
     <p:extLst>
       <p:ext uri="{BB962C8B-B14F-4D97-AF65-F5344CB8AC3E}">
-        <p14:creationId xmlns:p14="http://schemas.microsoft.com/office/powerpoint/2010/main" val="2665413906"/>
+        <p14:creationId xmlns:p14="http://schemas.microsoft.com/office/powerpoint/2010/main" val="3535866616"/>
       </p:ext>
     </p:extLst>
   </p:cSld>
@@ -13868,177 +15106,10 @@
       </p:grpSpPr>
       <p:sp>
         <p:nvSpPr>
-          <p:cNvPr id="3" name="Text Placeholder 2">
-            <a:extLst>
-              <a:ext uri="{FF2B5EF4-FFF2-40B4-BE49-F238E27FC236}">
-                <a16:creationId xmlns:a16="http://schemas.microsoft.com/office/drawing/2014/main" id="{97E40762-60D7-4126-A4D2-0461844404B8}"/>
-              </a:ext>
-            </a:extLst>
-          </p:cNvPr>
-          <p:cNvSpPr>
-            <a:spLocks noGrp="1"/>
-          </p:cNvSpPr>
-          <p:nvPr>
-            <p:ph type="body" idx="1"/>
-          </p:nvPr>
-        </p:nvSpPr>
-        <p:spPr>
-          <a:xfrm>
-            <a:off x="719538" y="1685774"/>
-            <a:ext cx="8818357" cy="3786558"/>
-          </a:xfrm>
-        </p:spPr>
-        <p:txBody>
-          <a:bodyPr>
-            <a:normAutofit lnSpcReduction="10000"/>
-          </a:bodyPr>
-          <a:lstStyle/>
-          <a:p>
-            <a:r>
-              <a:rPr lang="en-IN" dirty="0">
-                <a:solidFill>
-                  <a:schemeClr val="tx2">
-                    <a:lumMod val="50000"/>
-                  </a:schemeClr>
-                </a:solidFill>
-                <a:latin typeface="Arial" panose="020B0604020202020204" pitchFamily="34" charset="0"/>
-                <a:cs typeface="Arial" panose="020B0604020202020204" pitchFamily="34" charset="0"/>
-              </a:rPr>
-              <a:t>In Box-Office we have used following tools and technology :-</a:t>
-            </a:r>
-          </a:p>
-          <a:p>
-            <a:endParaRPr lang="en-IN" dirty="0">
-              <a:solidFill>
-                <a:schemeClr val="tx2">
-                  <a:lumMod val="50000"/>
-                </a:schemeClr>
-              </a:solidFill>
-              <a:latin typeface="Arial" panose="020B0604020202020204" pitchFamily="34" charset="0"/>
-              <a:cs typeface="Arial" panose="020B0604020202020204" pitchFamily="34" charset="0"/>
-            </a:endParaRPr>
-          </a:p>
-          <a:p>
-            <a:pPr marL="342900" indent="-342900">
-              <a:buFont typeface="Wingdings" panose="05000000000000000000" pitchFamily="2" charset="2"/>
-              <a:buChar char="Ø"/>
-            </a:pPr>
-            <a:r>
-              <a:rPr lang="en-IN" dirty="0">
-                <a:solidFill>
-                  <a:schemeClr val="tx2">
-                    <a:lumMod val="50000"/>
-                  </a:schemeClr>
-                </a:solidFill>
-                <a:latin typeface="Arial" panose="020B0604020202020204" pitchFamily="34" charset="0"/>
-                <a:cs typeface="Arial" panose="020B0604020202020204" pitchFamily="34" charset="0"/>
-              </a:rPr>
-              <a:t>For front end :- Html , Cascading Style Sheet and Javascript</a:t>
-            </a:r>
-          </a:p>
-          <a:p>
-            <a:endParaRPr lang="en-IN" dirty="0">
-              <a:solidFill>
-                <a:schemeClr val="tx2">
-                  <a:lumMod val="50000"/>
-                </a:schemeClr>
-              </a:solidFill>
-              <a:latin typeface="Arial" panose="020B0604020202020204" pitchFamily="34" charset="0"/>
-              <a:cs typeface="Arial" panose="020B0604020202020204" pitchFamily="34" charset="0"/>
-            </a:endParaRPr>
-          </a:p>
-          <a:p>
-            <a:pPr marL="342900" indent="-342900">
-              <a:buFont typeface="Wingdings" panose="05000000000000000000" pitchFamily="2" charset="2"/>
-              <a:buChar char="Ø"/>
-            </a:pPr>
-            <a:r>
-              <a:rPr lang="en-IN" dirty="0">
-                <a:solidFill>
-                  <a:schemeClr val="tx2">
-                    <a:lumMod val="50000"/>
-                  </a:schemeClr>
-                </a:solidFill>
-                <a:latin typeface="Arial" panose="020B0604020202020204" pitchFamily="34" charset="0"/>
-                <a:cs typeface="Arial" panose="020B0604020202020204" pitchFamily="34" charset="0"/>
-              </a:rPr>
-              <a:t>For Backend :- Python and Django </a:t>
-            </a:r>
-          </a:p>
-          <a:p>
-            <a:pPr marL="342900" indent="-342900">
-              <a:buFont typeface="Wingdings" panose="05000000000000000000" pitchFamily="2" charset="2"/>
-              <a:buChar char="Ø"/>
-            </a:pPr>
-            <a:endParaRPr lang="en-IN" dirty="0">
-              <a:solidFill>
-                <a:schemeClr val="tx2">
-                  <a:lumMod val="50000"/>
-                </a:schemeClr>
-              </a:solidFill>
-              <a:latin typeface="Arial" panose="020B0604020202020204" pitchFamily="34" charset="0"/>
-              <a:cs typeface="Arial" panose="020B0604020202020204" pitchFamily="34" charset="0"/>
-            </a:endParaRPr>
-          </a:p>
-          <a:p>
-            <a:pPr marL="342900" indent="-342900">
-              <a:buFont typeface="Wingdings" panose="05000000000000000000" pitchFamily="2" charset="2"/>
-              <a:buChar char="Ø"/>
-            </a:pPr>
-            <a:r>
-              <a:rPr lang="en-IN" dirty="0">
-                <a:solidFill>
-                  <a:schemeClr val="tx2">
-                    <a:lumMod val="50000"/>
-                  </a:schemeClr>
-                </a:solidFill>
-                <a:latin typeface="Arial" panose="020B0604020202020204" pitchFamily="34" charset="0"/>
-                <a:cs typeface="Arial" panose="020B0604020202020204" pitchFamily="34" charset="0"/>
-              </a:rPr>
-              <a:t>Movie Recommender System :- R and Machine learning algorithms </a:t>
-            </a:r>
-          </a:p>
-          <a:p>
-            <a:pPr marL="342900" indent="-342900">
-              <a:buFont typeface="Wingdings" panose="05000000000000000000" pitchFamily="2" charset="2"/>
-              <a:buChar char="Ø"/>
-            </a:pPr>
-            <a:endParaRPr lang="en-IN" dirty="0">
-              <a:solidFill>
-                <a:schemeClr val="tx2">
-                  <a:lumMod val="50000"/>
-                </a:schemeClr>
-              </a:solidFill>
-              <a:latin typeface="Arial" panose="020B0604020202020204" pitchFamily="34" charset="0"/>
-              <a:cs typeface="Arial" panose="020B0604020202020204" pitchFamily="34" charset="0"/>
-            </a:endParaRPr>
-          </a:p>
-          <a:p>
-            <a:pPr marL="342900" indent="-342900">
-              <a:buFont typeface="Wingdings" panose="05000000000000000000" pitchFamily="2" charset="2"/>
-              <a:buChar char="Ø"/>
-            </a:pPr>
-            <a:r>
-              <a:rPr lang="en-IN" dirty="0">
-                <a:solidFill>
-                  <a:schemeClr val="tx2">
-                    <a:lumMod val="50000"/>
-                  </a:schemeClr>
-                </a:solidFill>
-                <a:latin typeface="Arial" panose="020B0604020202020204" pitchFamily="34" charset="0"/>
-                <a:cs typeface="Arial" panose="020B0604020202020204" pitchFamily="34" charset="0"/>
-              </a:rPr>
-              <a:t>For Database- SQL Server(XAMPP , Sql lite)</a:t>
-            </a:r>
-          </a:p>
-        </p:txBody>
-      </p:sp>
-      <p:sp>
-        <p:nvSpPr>
           <p:cNvPr id="4" name="Rectangle 3">
             <a:extLst>
               <a:ext uri="{FF2B5EF4-FFF2-40B4-BE49-F238E27FC236}">
-                <a16:creationId xmlns:a16="http://schemas.microsoft.com/office/drawing/2014/main" id="{C54C721C-11FA-421E-9A58-21009CAE8944}"/>
+                <a16:creationId xmlns:a16="http://schemas.microsoft.com/office/drawing/2014/main" id="{9EA7C29F-21BF-4A5D-8E59-AF3611A4EFBD}"/>
               </a:ext>
             </a:extLst>
           </p:cNvPr>
@@ -14047,8 +15118,118 @@
         </p:nvSpPr>
         <p:spPr>
           <a:xfrm>
-            <a:off x="229290" y="336678"/>
-            <a:ext cx="5571782" cy="769441"/>
+            <a:off x="-560252" y="599607"/>
+            <a:ext cx="5061914" cy="523220"/>
+          </a:xfrm>
+          <a:prstGeom prst="rect">
+            <a:avLst/>
+          </a:prstGeom>
+        </p:spPr>
+        <p:txBody>
+          <a:bodyPr wrap="square">
+            <a:spAutoFit/>
+          </a:bodyPr>
+          <a:lstStyle/>
+          <a:p>
+            <a:pPr algn="r"/>
+            <a:r>
+              <a:rPr lang="en-US" sz="2800" dirty="0">
+                <a:ln w="0"/>
+                <a:solidFill>
+                  <a:schemeClr val="accent4">
+                    <a:lumMod val="75000"/>
+                  </a:schemeClr>
+                </a:solidFill>
+                <a:effectLst>
+                  <a:outerShdw blurRad="38100" dist="19050" dir="2700000" algn="tl" rotWithShape="0">
+                    <a:schemeClr val="dk1">
+                      <a:alpha val="40000"/>
+                    </a:schemeClr>
+                  </a:outerShdw>
+                </a:effectLst>
+              </a:rPr>
+              <a:t>Issues With Current System</a:t>
+            </a:r>
+          </a:p>
+        </p:txBody>
+      </p:sp>
+      <p:sp>
+        <p:nvSpPr>
+          <p:cNvPr id="6" name="Text Placeholder 5">
+            <a:extLst>
+              <a:ext uri="{FF2B5EF4-FFF2-40B4-BE49-F238E27FC236}">
+                <a16:creationId xmlns:a16="http://schemas.microsoft.com/office/drawing/2014/main" id="{D3A765C8-B926-4001-965A-F62BDFC65F49}"/>
+              </a:ext>
+            </a:extLst>
+          </p:cNvPr>
+          <p:cNvSpPr>
+            <a:spLocks noGrp="1"/>
+          </p:cNvSpPr>
+          <p:nvPr>
+            <p:ph type="body" idx="1"/>
+          </p:nvPr>
+        </p:nvSpPr>
+        <p:spPr>
+          <a:xfrm>
+            <a:off x="431149" y="4918120"/>
+            <a:ext cx="9289626" cy="1340273"/>
+          </a:xfrm>
+        </p:spPr>
+        <p:txBody>
+          <a:bodyPr>
+            <a:normAutofit fontScale="92500" lnSpcReduction="10000"/>
+          </a:bodyPr>
+          <a:lstStyle/>
+          <a:p>
+            <a:pPr marL="342900" indent="-342900">
+              <a:buFont typeface="Arial" panose="020B0604020202020204" pitchFamily="34" charset="0"/>
+              <a:buChar char="•"/>
+            </a:pPr>
+            <a:r>
+              <a:rPr lang="en-IN" sz="2200" dirty="0">
+                <a:solidFill>
+                  <a:schemeClr val="bg2">
+                    <a:lumMod val="25000"/>
+                  </a:schemeClr>
+                </a:solidFill>
+              </a:rPr>
+              <a:t>As in the above web apps we can see the view which is not as per customer interests its just a general view.</a:t>
+            </a:r>
+          </a:p>
+          <a:p>
+            <a:pPr marL="342900" indent="-342900">
+              <a:buFont typeface="Arial" panose="020B0604020202020204" pitchFamily="34" charset="0"/>
+              <a:buChar char="•"/>
+            </a:pPr>
+            <a:r>
+              <a:rPr lang="en-IN" sz="2200" dirty="0">
+                <a:solidFill>
+                  <a:schemeClr val="bg2">
+                    <a:lumMod val="25000"/>
+                  </a:schemeClr>
+                </a:solidFill>
+              </a:rPr>
+              <a:t>One of the targets of current system is to overcome such issues by making display of movies according to customer’s area of interest.</a:t>
+            </a:r>
+          </a:p>
+        </p:txBody>
+      </p:sp>
+      <p:sp>
+        <p:nvSpPr>
+          <p:cNvPr id="7" name="Rectangle 6">
+            <a:extLst>
+              <a:ext uri="{FF2B5EF4-FFF2-40B4-BE49-F238E27FC236}">
+                <a16:creationId xmlns:a16="http://schemas.microsoft.com/office/drawing/2014/main" id="{6AC25E26-823E-4E02-B243-23B265A40C5D}"/>
+              </a:ext>
+            </a:extLst>
+          </p:cNvPr>
+          <p:cNvSpPr/>
+          <p:nvPr/>
+        </p:nvSpPr>
+        <p:spPr>
+          <a:xfrm>
+            <a:off x="154766" y="1470152"/>
+            <a:ext cx="4346896" cy="461665"/>
           </a:xfrm>
           <a:prstGeom prst="rect">
             <a:avLst/>
@@ -14058,83 +15239,37 @@
         <p:txBody>
           <a:bodyPr wrap="none" lIns="91440" tIns="45720" rIns="91440" bIns="45720">
             <a:spAutoFit/>
-            <a:scene3d>
-              <a:camera prst="orthographicFront"/>
-              <a:lightRig rig="harsh" dir="t"/>
-            </a:scene3d>
-            <a:sp3d extrusionH="57150" prstMaterial="matte">
-              <a:bevelT w="63500" h="12700" prst="angle"/>
-              <a:contourClr>
-                <a:schemeClr val="bg1">
-                  <a:lumMod val="65000"/>
-                </a:schemeClr>
-              </a:contourClr>
-            </a:sp3d>
           </a:bodyPr>
           <a:lstStyle/>
           <a:p>
-            <a:pPr algn="ctr"/>
-            <a:r>
-              <a:rPr lang="en-US" sz="4400" cap="none" spc="0" dirty="0">
-                <a:ln/>
-                <a:solidFill>
-                  <a:srgbClr val="7030A0"/>
-                </a:solidFill>
-                <a:effectLst/>
-                <a:latin typeface="Arial" panose="020B0604020202020204" pitchFamily="34" charset="0"/>
-                <a:cs typeface="Arial" panose="020B0604020202020204" pitchFamily="34" charset="0"/>
+            <a:pPr marL="342900" indent="-342900">
+              <a:buFont typeface="Arial" panose="020B0604020202020204" pitchFamily="34" charset="0"/>
+              <a:buChar char="•"/>
+            </a:pPr>
+            <a:r>
+              <a:rPr lang="en-IN" sz="2400" dirty="0">
+                <a:solidFill>
+                  <a:schemeClr val="bg2">
+                    <a:lumMod val="10000"/>
+                  </a:schemeClr>
+                </a:solidFill>
               </a:rPr>
-              <a:t>Tools </a:t>
-            </a:r>
-            <a:r>
-              <a:rPr lang="en-US" sz="4400" dirty="0">
-                <a:ln/>
-                <a:solidFill>
-                  <a:srgbClr val="7030A0"/>
-                </a:solidFill>
-                <a:latin typeface="Arial" panose="020B0604020202020204" pitchFamily="34" charset="0"/>
-                <a:cs typeface="Arial" panose="020B0604020202020204" pitchFamily="34" charset="0"/>
-              </a:rPr>
-              <a:t>&amp; </a:t>
-            </a:r>
-            <a:r>
-              <a:rPr lang="en-US" sz="4400" cap="none" spc="0" dirty="0">
-                <a:ln/>
-                <a:solidFill>
-                  <a:srgbClr val="7030A0"/>
-                </a:solidFill>
-                <a:effectLst/>
-                <a:latin typeface="Arial" panose="020B0604020202020204" pitchFamily="34" charset="0"/>
-                <a:cs typeface="Arial" panose="020B0604020202020204" pitchFamily="34" charset="0"/>
-              </a:rPr>
-              <a:t>Technology</a:t>
-            </a:r>
-            <a:r>
-              <a:rPr lang="en-US" sz="4400" b="1" cap="none" spc="0" dirty="0">
-                <a:ln/>
-                <a:solidFill>
-                  <a:srgbClr val="7030A0"/>
-                </a:solidFill>
-                <a:effectLst/>
-                <a:latin typeface="Arial" panose="020B0604020202020204" pitchFamily="34" charset="0"/>
-                <a:cs typeface="Arial" panose="020B0604020202020204" pitchFamily="34" charset="0"/>
-              </a:rPr>
-              <a:t> :-</a:t>
+              <a:t>Generalized Customer View</a:t>
             </a:r>
           </a:p>
         </p:txBody>
       </p:sp>
       <p:pic>
         <p:nvPicPr>
-          <p:cNvPr id="3074" name="Picture 2" descr="Image result for movie booking">
+          <p:cNvPr id="9" name="Picture 8" descr="Movies View&#10;">
             <a:extLst>
               <a:ext uri="{FF2B5EF4-FFF2-40B4-BE49-F238E27FC236}">
-                <a16:creationId xmlns:a16="http://schemas.microsoft.com/office/drawing/2014/main" id="{D60517DC-99B2-4C93-8135-E75B8E2BA7A5}"/>
+                <a16:creationId xmlns:a16="http://schemas.microsoft.com/office/drawing/2014/main" id="{80233C06-1288-4A2D-815C-65C2F188154A}"/>
               </a:ext>
             </a:extLst>
           </p:cNvPr>
           <p:cNvPicPr>
-            <a:picLocks noChangeAspect="1" noChangeArrowheads="1"/>
+            <a:picLocks noChangeAspect="1"/>
           </p:cNvPicPr>
           <p:nvPr/>
         </p:nvPicPr>
@@ -14146,35 +15281,54 @@
               </a:ext>
             </a:extLst>
           </a:blip>
-          <a:srcRect/>
           <a:stretch>
             <a:fillRect/>
           </a:stretch>
         </p:blipFill>
-        <p:spPr bwMode="auto">
-          <a:xfrm rot="359688">
-            <a:off x="6658782" y="5086949"/>
-            <a:ext cx="2809875" cy="1628775"/>
+        <p:spPr>
+          <a:xfrm>
+            <a:off x="677334" y="2413284"/>
+            <a:ext cx="3177213" cy="2023447"/>
           </a:xfrm>
           <a:prstGeom prst="rect">
             <a:avLst/>
           </a:prstGeom>
-          <a:noFill/>
-          <a:extLst>
-            <a:ext uri="{909E8E84-426E-40DD-AFC4-6F175D3DCCD1}">
-              <a14:hiddenFill xmlns:a14="http://schemas.microsoft.com/office/drawing/2010/main">
-                <a:solidFill>
-                  <a:srgbClr val="FFFFFF"/>
-                </a:solidFill>
-              </a14:hiddenFill>
-            </a:ext>
-          </a:extLst>
+        </p:spPr>
+      </p:pic>
+      <p:pic>
+        <p:nvPicPr>
+          <p:cNvPr id="10" name="Picture 9">
+            <a:extLst>
+              <a:ext uri="{FF2B5EF4-FFF2-40B4-BE49-F238E27FC236}">
+                <a16:creationId xmlns:a16="http://schemas.microsoft.com/office/drawing/2014/main" id="{A65C2195-64E3-444A-A86A-5CE4E2972DBF}"/>
+              </a:ext>
+            </a:extLst>
+          </p:cNvPr>
+          <p:cNvPicPr>
+            <a:picLocks noChangeAspect="1"/>
+          </p:cNvPicPr>
+          <p:nvPr/>
+        </p:nvPicPr>
+        <p:blipFill>
+          <a:blip r:embed="rId3"/>
+          <a:stretch>
+            <a:fillRect/>
+          </a:stretch>
+        </p:blipFill>
+        <p:spPr>
+          <a:xfrm>
+            <a:off x="4656407" y="2500164"/>
+            <a:ext cx="3835793" cy="1849686"/>
+          </a:xfrm>
+          <a:prstGeom prst="rect">
+            <a:avLst/>
+          </a:prstGeom>
         </p:spPr>
       </p:pic>
     </p:spTree>
     <p:extLst>
       <p:ext uri="{BB962C8B-B14F-4D97-AF65-F5344CB8AC3E}">
-        <p14:creationId xmlns:p14="http://schemas.microsoft.com/office/powerpoint/2010/main" val="3496159127"/>
+        <p14:creationId xmlns:p14="http://schemas.microsoft.com/office/powerpoint/2010/main" val="2751396935"/>
       </p:ext>
     </p:extLst>
   </p:cSld>
@@ -14203,10 +15357,10 @@
       </p:grpSpPr>
       <p:sp>
         <p:nvSpPr>
-          <p:cNvPr id="8" name="Content Placeholder 7">
+          <p:cNvPr id="3" name="Text Placeholder 2">
             <a:extLst>
               <a:ext uri="{FF2B5EF4-FFF2-40B4-BE49-F238E27FC236}">
-                <a16:creationId xmlns:a16="http://schemas.microsoft.com/office/drawing/2014/main" id="{46770015-E5A0-4A49-AA10-DC674AC27813}"/>
+                <a16:creationId xmlns:a16="http://schemas.microsoft.com/office/drawing/2014/main" id="{F7851D8E-8E74-49C5-B85F-24725807BC70}"/>
               </a:ext>
             </a:extLst>
           </p:cNvPr>
@@ -14214,260 +15368,104 @@
             <a:spLocks noGrp="1"/>
           </p:cNvSpPr>
           <p:nvPr>
-            <p:ph idx="1"/>
+            <p:ph type="body" idx="1"/>
           </p:nvPr>
         </p:nvSpPr>
         <p:spPr>
           <a:xfrm>
-            <a:off x="606995" y="1837032"/>
-            <a:ext cx="9057509" cy="4732580"/>
+            <a:off x="628772" y="1842868"/>
+            <a:ext cx="8768445" cy="4134170"/>
           </a:xfrm>
         </p:spPr>
         <p:txBody>
           <a:bodyPr/>
           <a:lstStyle/>
           <a:p>
-            <a:r>
-              <a:rPr lang="en-IN" sz="2000" dirty="0">
-                <a:solidFill>
-                  <a:schemeClr val="accent3">
-                    <a:lumMod val="50000"/>
-                  </a:schemeClr>
-                </a:solidFill>
-                <a:hlinkClick r:id="rId2" action="ppaction://hlinkfile">
-                  <a:extLst>
-                    <a:ext uri="{A12FA001-AC4F-418D-AE19-62706E023703}">
-                      <ahyp:hlinkClr xmlns:ahyp="http://schemas.microsoft.com/office/drawing/2018/hyperlinkcolor" val="tx"/>
-                    </a:ext>
-                  </a:extLst>
-                </a:hlinkClick>
+            <a:pPr marL="342900" indent="-342900">
+              <a:buFont typeface="Wingdings" panose="05000000000000000000" pitchFamily="2" charset="2"/>
+              <a:buChar char="Ø"/>
+            </a:pPr>
+            <a:r>
+              <a:rPr lang="en-IN" dirty="0">
+                <a:solidFill>
+                  <a:schemeClr val="bg2">
+                    <a:lumMod val="25000"/>
+                  </a:schemeClr>
+                </a:solidFill>
               </a:rPr>
-              <a:t>Class Diagram</a:t>
-            </a:r>
-            <a:endParaRPr lang="en-IN" sz="2000" dirty="0">
-              <a:solidFill>
-                <a:schemeClr val="accent3">
-                  <a:lumMod val="50000"/>
-                </a:schemeClr>
-              </a:solidFill>
-            </a:endParaRPr>
-          </a:p>
-          <a:p>
-            <a:r>
-              <a:rPr lang="en-IN" sz="2000" dirty="0">
-                <a:solidFill>
-                  <a:schemeClr val="accent3">
-                    <a:lumMod val="50000"/>
-                  </a:schemeClr>
-                </a:solidFill>
-                <a:hlinkClick r:id="rId3" action="ppaction://hlinkfile">
-                  <a:extLst>
-                    <a:ext uri="{A12FA001-AC4F-418D-AE19-62706E023703}">
-                      <ahyp:hlinkClr xmlns:ahyp="http://schemas.microsoft.com/office/drawing/2018/hyperlinkcolor" val="tx"/>
-                    </a:ext>
-                  </a:extLst>
-                </a:hlinkClick>
+              <a:t>Current system fails to analyse customer’s interest for an example which type of movies customer prefers action or romance etc.</a:t>
+            </a:r>
+          </a:p>
+          <a:p>
+            <a:pPr marL="342900" indent="-342900">
+              <a:buFont typeface="Wingdings" panose="05000000000000000000" pitchFamily="2" charset="2"/>
+              <a:buChar char="Ø"/>
+            </a:pPr>
+            <a:r>
+              <a:rPr lang="en-IN" dirty="0">
+                <a:solidFill>
+                  <a:schemeClr val="bg2">
+                    <a:lumMod val="25000"/>
+                  </a:schemeClr>
+                </a:solidFill>
               </a:rPr>
-              <a:t>Component Diagram</a:t>
-            </a:r>
-            <a:endParaRPr lang="en-IN" sz="2000" dirty="0">
-              <a:solidFill>
-                <a:schemeClr val="accent3">
-                  <a:lumMod val="50000"/>
-                </a:schemeClr>
-              </a:solidFill>
-            </a:endParaRPr>
-          </a:p>
-          <a:p>
-            <a:r>
-              <a:rPr lang="en-IN" sz="2000" dirty="0">
-                <a:solidFill>
-                  <a:schemeClr val="accent3">
-                    <a:lumMod val="50000"/>
-                  </a:schemeClr>
-                </a:solidFill>
-                <a:hlinkClick r:id="rId4" action="ppaction://hlinkfile">
-                  <a:extLst>
-                    <a:ext uri="{A12FA001-AC4F-418D-AE19-62706E023703}">
-                      <ahyp:hlinkClr xmlns:ahyp="http://schemas.microsoft.com/office/drawing/2018/hyperlinkcolor" val="tx"/>
-                    </a:ext>
-                  </a:extLst>
-                </a:hlinkClick>
+              <a:t>Unable to give customer specific/exclusive discounts on the movies.</a:t>
+            </a:r>
+          </a:p>
+          <a:p>
+            <a:pPr marL="342900" indent="-342900">
+              <a:buFont typeface="Wingdings" panose="05000000000000000000" pitchFamily="2" charset="2"/>
+              <a:buChar char="Ø"/>
+            </a:pPr>
+            <a:r>
+              <a:rPr lang="en-IN" dirty="0">
+                <a:solidFill>
+                  <a:schemeClr val="bg2">
+                    <a:lumMod val="25000"/>
+                  </a:schemeClr>
+                </a:solidFill>
               </a:rPr>
-              <a:t>Use case Diagram</a:t>
-            </a:r>
-            <a:endParaRPr lang="en-IN" sz="2000" dirty="0">
-              <a:solidFill>
-                <a:schemeClr val="accent3">
-                  <a:lumMod val="50000"/>
-                </a:schemeClr>
-              </a:solidFill>
-            </a:endParaRPr>
-          </a:p>
-          <a:p>
-            <a:r>
-              <a:rPr lang="en-IN" sz="2000" dirty="0">
-                <a:solidFill>
-                  <a:schemeClr val="accent3">
-                    <a:lumMod val="50000"/>
-                  </a:schemeClr>
-                </a:solidFill>
-                <a:hlinkClick r:id="rId5" action="ppaction://hlinkfile">
-                  <a:extLst>
-                    <a:ext uri="{A12FA001-AC4F-418D-AE19-62706E023703}">
-                      <ahyp:hlinkClr xmlns:ahyp="http://schemas.microsoft.com/office/drawing/2018/hyperlinkcolor" val="tx"/>
-                    </a:ext>
-                  </a:extLst>
-                </a:hlinkClick>
+              <a:t> Doesn't understand current requirements of the customer bookings i.e. for system to guess how many tickets whether customer purchase for specific movie.</a:t>
+            </a:r>
+          </a:p>
+          <a:p>
+            <a:pPr marL="342900" indent="-342900">
+              <a:buFont typeface="Wingdings" panose="05000000000000000000" pitchFamily="2" charset="2"/>
+              <a:buChar char="Ø"/>
+            </a:pPr>
+            <a:r>
+              <a:rPr lang="en-IN" dirty="0">
+                <a:solidFill>
+                  <a:schemeClr val="bg2">
+                    <a:lumMod val="25000"/>
+                  </a:schemeClr>
+                </a:solidFill>
               </a:rPr>
-              <a:t>Sequence Diagram</a:t>
-            </a:r>
-            <a:endParaRPr lang="en-IN" sz="2000" dirty="0">
-              <a:solidFill>
-                <a:schemeClr val="accent3">
-                  <a:lumMod val="50000"/>
-                </a:schemeClr>
-              </a:solidFill>
-            </a:endParaRPr>
-          </a:p>
-          <a:p>
-            <a:r>
-              <a:rPr lang="en-IN" sz="2000" dirty="0">
-                <a:solidFill>
-                  <a:schemeClr val="accent3">
-                    <a:lumMod val="50000"/>
-                  </a:schemeClr>
-                </a:solidFill>
-                <a:hlinkClick r:id="rId6" action="ppaction://hlinkfile">
-                  <a:extLst>
-                    <a:ext uri="{A12FA001-AC4F-418D-AE19-62706E023703}">
-                      <ahyp:hlinkClr xmlns:ahyp="http://schemas.microsoft.com/office/drawing/2018/hyperlinkcolor" val="tx"/>
-                    </a:ext>
-                  </a:extLst>
-                </a:hlinkClick>
-              </a:rPr>
-              <a:t>State diagram</a:t>
-            </a:r>
-            <a:endParaRPr lang="en-IN" sz="2000" dirty="0">
-              <a:solidFill>
-                <a:schemeClr val="accent3">
-                  <a:lumMod val="50000"/>
-                </a:schemeClr>
-              </a:solidFill>
-            </a:endParaRPr>
-          </a:p>
-          <a:p>
-            <a:r>
-              <a:rPr lang="en-IN" sz="2000" dirty="0">
-                <a:solidFill>
-                  <a:schemeClr val="accent3">
-                    <a:lumMod val="50000"/>
-                  </a:schemeClr>
-                </a:solidFill>
-                <a:hlinkClick r:id="rId7" action="ppaction://hlinkfile">
-                  <a:extLst>
-                    <a:ext uri="{A12FA001-AC4F-418D-AE19-62706E023703}">
-                      <ahyp:hlinkClr xmlns:ahyp="http://schemas.microsoft.com/office/drawing/2018/hyperlinkcolor" val="tx"/>
-                    </a:ext>
-                  </a:extLst>
-                </a:hlinkClick>
-              </a:rPr>
-              <a:t>Entity-Relationship Diagram</a:t>
-            </a:r>
-            <a:endParaRPr lang="en-IN" sz="2000" dirty="0">
-              <a:solidFill>
-                <a:schemeClr val="accent3">
-                  <a:lumMod val="50000"/>
-                </a:schemeClr>
-              </a:solidFill>
-            </a:endParaRPr>
-          </a:p>
-          <a:p>
-            <a:r>
-              <a:rPr lang="en-IN" sz="2000" dirty="0">
-                <a:solidFill>
-                  <a:schemeClr val="accent3">
-                    <a:lumMod val="50000"/>
-                  </a:schemeClr>
-                </a:solidFill>
-              </a:rPr>
-              <a:t>Data Flow Diagram :-</a:t>
-            </a:r>
-          </a:p>
-          <a:p>
-            <a:pPr lvl="1">
+              <a:t>This sort of improvement will be done by applying Machine learning algorithms.</a:t>
+            </a:r>
+          </a:p>
+          <a:p>
+            <a:pPr marL="342900" indent="-342900">
               <a:buFont typeface="Wingdings" panose="05000000000000000000" pitchFamily="2" charset="2"/>
-              <a:buChar char="v"/>
+              <a:buChar char="Ø"/>
             </a:pPr>
-            <a:r>
-              <a:rPr lang="en-IN" sz="2000" dirty="0">
-                <a:solidFill>
-                  <a:schemeClr val="accent3">
-                    <a:lumMod val="50000"/>
-                  </a:schemeClr>
-                </a:solidFill>
-                <a:hlinkClick r:id="rId8" action="ppaction://hlinkfile">
-                  <a:extLst>
-                    <a:ext uri="{A12FA001-AC4F-418D-AE19-62706E023703}">
-                      <ahyp:hlinkClr xmlns:ahyp="http://schemas.microsoft.com/office/drawing/2018/hyperlinkcolor" val="tx"/>
-                    </a:ext>
-                  </a:extLst>
-                </a:hlinkClick>
-              </a:rPr>
-              <a:t>DFD Level-0</a:t>
-            </a:r>
-            <a:endParaRPr lang="en-IN" sz="2000" dirty="0">
-              <a:solidFill>
-                <a:schemeClr val="accent3">
-                  <a:lumMod val="50000"/>
-                </a:schemeClr>
-              </a:solidFill>
-            </a:endParaRPr>
-          </a:p>
-          <a:p>
-            <a:pPr lvl="1">
+            <a:endParaRPr lang="en-IN" dirty="0"/>
+          </a:p>
+          <a:p>
+            <a:pPr marL="342900" indent="-342900">
               <a:buFont typeface="Wingdings" panose="05000000000000000000" pitchFamily="2" charset="2"/>
-              <a:buChar char="v"/>
+              <a:buChar char="Ø"/>
             </a:pPr>
-            <a:r>
-              <a:rPr lang="en-IN" sz="2000" dirty="0">
-                <a:solidFill>
-                  <a:schemeClr val="accent3">
-                    <a:lumMod val="50000"/>
-                  </a:schemeClr>
-                </a:solidFill>
-                <a:hlinkClick r:id="rId9" action="ppaction://hlinkfile">
-                  <a:extLst>
-                    <a:ext uri="{A12FA001-AC4F-418D-AE19-62706E023703}">
-                      <ahyp:hlinkClr xmlns:ahyp="http://schemas.microsoft.com/office/drawing/2018/hyperlinkcolor" val="tx"/>
-                    </a:ext>
-                  </a:extLst>
-                </a:hlinkClick>
-              </a:rPr>
-              <a:t>DFD Level-1</a:t>
-            </a:r>
-            <a:endParaRPr lang="en-IN" sz="2000" dirty="0">
-              <a:solidFill>
-                <a:schemeClr val="accent3">
-                  <a:lumMod val="50000"/>
-                </a:schemeClr>
-              </a:solidFill>
-            </a:endParaRPr>
-          </a:p>
-          <a:p>
-            <a:endParaRPr lang="en-IN" sz="2000" dirty="0"/>
-          </a:p>
-          <a:p>
             <a:endParaRPr lang="en-IN" dirty="0"/>
           </a:p>
         </p:txBody>
       </p:sp>
       <p:sp>
         <p:nvSpPr>
-          <p:cNvPr id="2" name="Rectangle 1">
+          <p:cNvPr id="4" name="Rectangle 3">
             <a:extLst>
               <a:ext uri="{FF2B5EF4-FFF2-40B4-BE49-F238E27FC236}">
-                <a16:creationId xmlns:a16="http://schemas.microsoft.com/office/drawing/2014/main" id="{030A0C8E-F09F-4319-9341-0667DF4CAF5C}"/>
+                <a16:creationId xmlns:a16="http://schemas.microsoft.com/office/drawing/2014/main" id="{91867E08-24C5-40B4-8154-BC9F12D41945}"/>
               </a:ext>
             </a:extLst>
           </p:cNvPr>
@@ -14476,86 +15474,112 @@
         </p:nvSpPr>
         <p:spPr>
           <a:xfrm>
-            <a:off x="1896982" y="283939"/>
-            <a:ext cx="6618222" cy="1323439"/>
+            <a:off x="628773" y="880962"/>
+            <a:ext cx="6033318" cy="461665"/>
           </a:xfrm>
           <a:prstGeom prst="rect">
             <a:avLst/>
           </a:prstGeom>
-          <a:noFill/>
         </p:spPr>
         <p:txBody>
-          <a:bodyPr wrap="none" lIns="91440" tIns="45720" rIns="91440" bIns="45720">
+          <a:bodyPr wrap="none">
             <a:spAutoFit/>
           </a:bodyPr>
           <a:lstStyle/>
           <a:p>
-            <a:pPr algn="ctr"/>
-            <a:r>
-              <a:rPr lang="en-US" altLang="en-US" sz="4000" b="1" spc="50" dirty="0">
-                <a:ln w="0"/>
-                <a:solidFill>
-                  <a:schemeClr val="accent6">
-                    <a:lumMod val="75000"/>
-                  </a:schemeClr>
-                </a:solidFill>
-                <a:effectLst>
-                  <a:innerShdw blurRad="63500" dist="50800" dir="13500000">
-                    <a:srgbClr val="000000">
-                      <a:alpha val="50000"/>
-                    </a:srgbClr>
-                  </a:innerShdw>
-                </a:effectLst>
-                <a:latin typeface="Arial" panose="020B0604020202020204" pitchFamily="34" charset="0"/>
-                <a:cs typeface="Arial" panose="020B0604020202020204" pitchFamily="34" charset="0"/>
+            <a:pPr marL="342900" indent="-342900">
+              <a:buFont typeface="Arial" panose="020B0604020202020204" pitchFamily="34" charset="0"/>
+              <a:buChar char="•"/>
+            </a:pPr>
+            <a:r>
+              <a:rPr lang="en-IN" sz="2400" dirty="0">
+                <a:solidFill>
+                  <a:schemeClr val="bg2">
+                    <a:lumMod val="10000"/>
+                  </a:schemeClr>
+                </a:solidFill>
               </a:rPr>
-              <a:t>Proposed Methodology</a:t>
-            </a:r>
-          </a:p>
-          <a:p>
-            <a:pPr algn="ctr"/>
-            <a:r>
-              <a:rPr lang="en-US" altLang="en-US" sz="4000" b="1" spc="50" dirty="0">
-                <a:ln w="0"/>
-                <a:solidFill>
-                  <a:schemeClr val="accent6">
-                    <a:lumMod val="75000"/>
-                  </a:schemeClr>
-                </a:solidFill>
-                <a:effectLst>
-                  <a:innerShdw blurRad="63500" dist="50800" dir="13500000">
-                    <a:srgbClr val="000000">
-                      <a:alpha val="50000"/>
-                    </a:srgbClr>
-                  </a:innerShdw>
-                </a:effectLst>
-                <a:latin typeface="Arial" panose="020B0604020202020204" pitchFamily="34" charset="0"/>
-                <a:cs typeface="Arial" panose="020B0604020202020204" pitchFamily="34" charset="0"/>
-              </a:rPr>
-              <a:t>(linked To UML Diagrams)</a:t>
-            </a:r>
-            <a:endParaRPr lang="en-US" sz="4000" b="1" spc="50" dirty="0">
-              <a:ln w="0"/>
-              <a:solidFill>
-                <a:schemeClr val="accent6">
-                  <a:lumMod val="75000"/>
-                </a:schemeClr>
-              </a:solidFill>
-              <a:effectLst>
-                <a:innerShdw blurRad="63500" dist="50800" dir="13500000">
-                  <a:srgbClr val="000000">
-                    <a:alpha val="50000"/>
-                  </a:srgbClr>
-                </a:innerShdw>
-              </a:effectLst>
-            </a:endParaRPr>
-          </a:p>
-        </p:txBody>
-      </p:sp>
+              <a:t>No Analysis of Customer’s Booking Data </a:t>
+            </a:r>
+          </a:p>
+        </p:txBody>
+      </p:sp>
+      <p:pic>
+        <p:nvPicPr>
+          <p:cNvPr id="6" name="Picture 5" descr="A screenshot of a cell phone&#10;&#10;Description automatically generated">
+            <a:extLst>
+              <a:ext uri="{FF2B5EF4-FFF2-40B4-BE49-F238E27FC236}">
+                <a16:creationId xmlns:a16="http://schemas.microsoft.com/office/drawing/2014/main" id="{79FD7162-16CD-40CB-9173-BA3E799BD9A7}"/>
+              </a:ext>
+            </a:extLst>
+          </p:cNvPr>
+          <p:cNvPicPr>
+            <a:picLocks noChangeAspect="1"/>
+          </p:cNvPicPr>
+          <p:nvPr/>
+        </p:nvPicPr>
+        <p:blipFill>
+          <a:blip r:embed="rId2">
+            <a:extLst>
+              <a:ext uri="{28A0092B-C50C-407E-A947-70E740481C1C}">
+                <a14:useLocalDpi xmlns:a14="http://schemas.microsoft.com/office/drawing/2010/main" val="0"/>
+              </a:ext>
+            </a:extLst>
+          </a:blip>
+          <a:stretch>
+            <a:fillRect/>
+          </a:stretch>
+        </p:blipFill>
+        <p:spPr>
+          <a:xfrm>
+            <a:off x="9517891" y="0"/>
+            <a:ext cx="1996774" cy="3137095"/>
+          </a:xfrm>
+          <a:prstGeom prst="rect">
+            <a:avLst/>
+          </a:prstGeom>
+        </p:spPr>
+      </p:pic>
+      <p:pic>
+        <p:nvPicPr>
+          <p:cNvPr id="8" name="Picture 7" descr="A screenshot of a cell phone&#10;&#10;Description automatically generated">
+            <a:extLst>
+              <a:ext uri="{FF2B5EF4-FFF2-40B4-BE49-F238E27FC236}">
+                <a16:creationId xmlns:a16="http://schemas.microsoft.com/office/drawing/2014/main" id="{AD341943-4208-4ABA-93EB-4C5AA830E74B}"/>
+              </a:ext>
+            </a:extLst>
+          </p:cNvPr>
+          <p:cNvPicPr>
+            <a:picLocks noChangeAspect="1"/>
+          </p:cNvPicPr>
+          <p:nvPr/>
+        </p:nvPicPr>
+        <p:blipFill>
+          <a:blip r:embed="rId3">
+            <a:extLst>
+              <a:ext uri="{28A0092B-C50C-407E-A947-70E740481C1C}">
+                <a14:useLocalDpi xmlns:a14="http://schemas.microsoft.com/office/drawing/2010/main" val="0"/>
+              </a:ext>
+            </a:extLst>
+          </a:blip>
+          <a:stretch>
+            <a:fillRect/>
+          </a:stretch>
+        </p:blipFill>
+        <p:spPr>
+          <a:xfrm>
+            <a:off x="9644500" y="3720906"/>
+            <a:ext cx="2049251" cy="3038542"/>
+          </a:xfrm>
+          <a:prstGeom prst="rect">
+            <a:avLst/>
+          </a:prstGeom>
+        </p:spPr>
+      </p:pic>
     </p:spTree>
     <p:extLst>
       <p:ext uri="{BB962C8B-B14F-4D97-AF65-F5344CB8AC3E}">
-        <p14:creationId xmlns:p14="http://schemas.microsoft.com/office/powerpoint/2010/main" val="784566856"/>
+        <p14:creationId xmlns:p14="http://schemas.microsoft.com/office/powerpoint/2010/main" val="2411828899"/>
       </p:ext>
     </p:extLst>
   </p:cSld>
@@ -14584,10 +15608,10 @@
       </p:grpSpPr>
       <p:sp>
         <p:nvSpPr>
-          <p:cNvPr id="3" name="Content Placeholder 2">
+          <p:cNvPr id="3" name="Text Placeholder 2">
             <a:extLst>
               <a:ext uri="{FF2B5EF4-FFF2-40B4-BE49-F238E27FC236}">
-                <a16:creationId xmlns:a16="http://schemas.microsoft.com/office/drawing/2014/main" id="{242627DC-1FA9-4086-994C-39E86EE01FB1}"/>
+                <a16:creationId xmlns:a16="http://schemas.microsoft.com/office/drawing/2014/main" id="{AE966D11-8C86-4374-8CBC-B2D1076A8FB4}"/>
               </a:ext>
             </a:extLst>
           </p:cNvPr>
@@ -14595,58 +15619,64 @@
             <a:spLocks noGrp="1"/>
           </p:cNvSpPr>
           <p:nvPr>
-            <p:ph idx="1"/>
+            <p:ph type="body" idx="1"/>
           </p:nvPr>
         </p:nvSpPr>
         <p:spPr>
           <a:xfrm>
-            <a:off x="663266" y="1488613"/>
-            <a:ext cx="8596668" cy="3880773"/>
+            <a:off x="677335" y="1561514"/>
+            <a:ext cx="8226822" cy="3040466"/>
           </a:xfrm>
         </p:spPr>
         <p:txBody>
-          <a:bodyPr>
-            <a:normAutofit/>
-          </a:bodyPr>
+          <a:bodyPr/>
           <a:lstStyle/>
           <a:p>
-            <a:r>
-              <a:rPr lang="en-IN" sz="2000" dirty="0">
-                <a:cs typeface="Arial" panose="020B0604020202020204" pitchFamily="34" charset="0"/>
+            <a:pPr marL="342900" indent="-342900">
+              <a:buFont typeface="Wingdings" panose="05000000000000000000" pitchFamily="2" charset="2"/>
+              <a:buChar char="Ø"/>
+            </a:pPr>
+            <a:r>
+              <a:rPr lang="en-IN" dirty="0">
+                <a:solidFill>
+                  <a:schemeClr val="bg2">
+                    <a:lumMod val="25000"/>
+                  </a:schemeClr>
+                </a:solidFill>
               </a:rPr>
-              <a:t>Box-office is further improvement on the  old movie booking with the help of machine learning it increase growth of selling movie tickets.</a:t>
-            </a:r>
-          </a:p>
-          <a:p>
-            <a:r>
-              <a:rPr lang="en-IN" sz="2000" dirty="0">
-                <a:cs typeface="Arial" panose="020B0604020202020204" pitchFamily="34" charset="0"/>
+              <a:t>As customer finished watching a movie Feedback is the biggest weapon to improve the customer’s experience in the future.</a:t>
+            </a:r>
+          </a:p>
+          <a:p>
+            <a:pPr marL="342900" indent="-342900">
+              <a:buFont typeface="Wingdings" panose="05000000000000000000" pitchFamily="2" charset="2"/>
+              <a:buChar char="Ø"/>
+            </a:pPr>
+            <a:r>
+              <a:rPr lang="en-IN" dirty="0">
+                <a:solidFill>
+                  <a:schemeClr val="bg2">
+                    <a:lumMod val="25000"/>
+                  </a:schemeClr>
+                </a:solidFill>
               </a:rPr>
-              <a:t>From customer point of view box-office helps them find the relevant movie and discounts.</a:t>
-            </a:r>
-          </a:p>
-          <a:p>
-            <a:r>
-              <a:rPr lang="en-IN" sz="2000" dirty="0">
-                <a:cs typeface="Arial" panose="020B0604020202020204" pitchFamily="34" charset="0"/>
+              <a:t>Currently system is just for grading how good is the movie watched but doesn’t checks the reason for customer likes or dislikes in the movie.</a:t>
+            </a:r>
+          </a:p>
+          <a:p>
+            <a:pPr marL="342900" indent="-342900">
+              <a:buFont typeface="Wingdings" panose="05000000000000000000" pitchFamily="2" charset="2"/>
+              <a:buChar char="Ø"/>
+            </a:pPr>
+            <a:r>
+              <a:rPr lang="en-IN" dirty="0">
+                <a:solidFill>
+                  <a:schemeClr val="bg2">
+                    <a:lumMod val="25000"/>
+                  </a:schemeClr>
+                </a:solidFill>
               </a:rPr>
-              <a:t>Movie recommender increases the growth of entertainment industry.</a:t>
-            </a:r>
-          </a:p>
-          <a:p>
-            <a:r>
-              <a:rPr lang="en-IN" sz="2000" dirty="0">
-                <a:cs typeface="Arial" panose="020B0604020202020204" pitchFamily="34" charset="0"/>
-              </a:rPr>
-              <a:t>Each type of movie booking becomes customer specific.</a:t>
-            </a:r>
-          </a:p>
-          <a:p>
-            <a:r>
-              <a:rPr lang="en-IN" sz="2000" dirty="0">
-                <a:cs typeface="Arial" panose="020B0604020202020204" pitchFamily="34" charset="0"/>
-              </a:rPr>
-              <a:t>More efficient way of using movie-booking system.</a:t>
+              <a:t>No Proper Grading/working on the theatre-condition , content-watched or service received from the web app etc.</a:t>
             </a:r>
           </a:p>
         </p:txBody>
@@ -14656,7 +15686,7 @@
           <p:cNvPr id="4" name="Rectangle 3">
             <a:extLst>
               <a:ext uri="{FF2B5EF4-FFF2-40B4-BE49-F238E27FC236}">
-                <a16:creationId xmlns:a16="http://schemas.microsoft.com/office/drawing/2014/main" id="{54752E26-E611-43B0-9EA0-4F5588911B2A}"/>
+                <a16:creationId xmlns:a16="http://schemas.microsoft.com/office/drawing/2014/main" id="{31EE23D3-AA66-4DE5-B079-D5A0F5FCF6A1}"/>
               </a:ext>
             </a:extLst>
           </p:cNvPr>
@@ -14665,67 +15695,111 @@
         </p:nvSpPr>
         <p:spPr>
           <a:xfrm>
-            <a:off x="795229" y="252270"/>
-            <a:ext cx="5301451" cy="923330"/>
+            <a:off x="495187" y="768420"/>
+            <a:ext cx="5515228" cy="461665"/>
           </a:xfrm>
           <a:prstGeom prst="rect">
             <a:avLst/>
           </a:prstGeom>
-          <a:noFill/>
         </p:spPr>
         <p:txBody>
-          <a:bodyPr wrap="none" lIns="91440" tIns="45720" rIns="91440" bIns="45720">
+          <a:bodyPr wrap="none">
             <a:spAutoFit/>
           </a:bodyPr>
           <a:lstStyle/>
           <a:p>
-            <a:pPr>
-              <a:buClr>
-                <a:schemeClr val="accent2">
-                  <a:lumMod val="75000"/>
-                </a:schemeClr>
-              </a:buClr>
+            <a:pPr marL="285750" indent="-285750">
+              <a:buFont typeface="Arial" panose="020B0604020202020204" pitchFamily="34" charset="0"/>
+              <a:buChar char="•"/>
             </a:pPr>
             <a:r>
-              <a:rPr lang="en-IN" sz="5400" b="1" dirty="0">
-                <a:ln w="12700">
-                  <a:solidFill>
-                    <a:schemeClr val="tx2">
-                      <a:lumMod val="75000"/>
-                    </a:schemeClr>
-                  </a:solidFill>
-                  <a:prstDash val="solid"/>
-                </a:ln>
-                <a:pattFill prst="dkUpDiag">
-                  <a:fgClr>
-                    <a:schemeClr val="tx2"/>
-                  </a:fgClr>
-                  <a:bgClr>
-                    <a:schemeClr val="tx2">
-                      <a:lumMod val="20000"/>
-                      <a:lumOff val="80000"/>
-                    </a:schemeClr>
-                  </a:bgClr>
-                </a:pattFill>
-                <a:effectLst>
-                  <a:outerShdw dist="38100" dir="2640000" algn="bl" rotWithShape="0">
-                    <a:schemeClr val="tx2">
-                      <a:lumMod val="75000"/>
-                    </a:schemeClr>
-                  </a:outerShdw>
-                </a:effectLst>
-                <a:latin typeface="Arial" panose="020B0604020202020204" pitchFamily="34" charset="0"/>
-                <a:cs typeface="Arial" panose="020B0604020202020204" pitchFamily="34" charset="0"/>
+              <a:rPr lang="en-IN" sz="2400" dirty="0">
+                <a:solidFill>
+                  <a:schemeClr val="bg2">
+                    <a:lumMod val="10000"/>
+                  </a:schemeClr>
+                </a:solidFill>
               </a:rPr>
-              <a:t>CONCLUSION:-</a:t>
-            </a:r>
-          </a:p>
-        </p:txBody>
-      </p:sp>
+              <a:t>No Working On Customer’s Feedback</a:t>
+            </a:r>
+          </a:p>
+        </p:txBody>
+      </p:sp>
+      <p:pic>
+        <p:nvPicPr>
+          <p:cNvPr id="6" name="Picture 5" descr="A screenshot of a cell phone&#10;&#10;Description automatically generated">
+            <a:extLst>
+              <a:ext uri="{FF2B5EF4-FFF2-40B4-BE49-F238E27FC236}">
+                <a16:creationId xmlns:a16="http://schemas.microsoft.com/office/drawing/2014/main" id="{05F2BA4F-5830-4368-9AC0-59DF54E36637}"/>
+              </a:ext>
+            </a:extLst>
+          </p:cNvPr>
+          <p:cNvPicPr>
+            <a:picLocks noChangeAspect="1"/>
+          </p:cNvPicPr>
+          <p:nvPr/>
+        </p:nvPicPr>
+        <p:blipFill rotWithShape="1">
+          <a:blip r:embed="rId2">
+            <a:extLst>
+              <a:ext uri="{28A0092B-C50C-407E-A947-70E740481C1C}">
+                <a14:useLocalDpi xmlns:a14="http://schemas.microsoft.com/office/drawing/2010/main" val="0"/>
+              </a:ext>
+            </a:extLst>
+          </a:blip>
+          <a:srcRect l="17705" r="22787"/>
+          <a:stretch/>
+        </p:blipFill>
+        <p:spPr>
+          <a:xfrm>
+            <a:off x="1064302" y="4264124"/>
+            <a:ext cx="4023003" cy="2593876"/>
+          </a:xfrm>
+          <a:prstGeom prst="rect">
+            <a:avLst/>
+          </a:prstGeom>
+        </p:spPr>
+      </p:pic>
+      <p:pic>
+        <p:nvPicPr>
+          <p:cNvPr id="8" name="Picture 7" descr="A screenshot of a social media post&#10;&#10;Description automatically generated">
+            <a:extLst>
+              <a:ext uri="{FF2B5EF4-FFF2-40B4-BE49-F238E27FC236}">
+                <a16:creationId xmlns:a16="http://schemas.microsoft.com/office/drawing/2014/main" id="{60A7A953-D35B-4F98-80ED-1ADF88F3912A}"/>
+              </a:ext>
+            </a:extLst>
+          </p:cNvPr>
+          <p:cNvPicPr>
+            <a:picLocks noChangeAspect="1"/>
+          </p:cNvPicPr>
+          <p:nvPr/>
+        </p:nvPicPr>
+        <p:blipFill>
+          <a:blip r:embed="rId3">
+            <a:extLst>
+              <a:ext uri="{28A0092B-C50C-407E-A947-70E740481C1C}">
+                <a14:useLocalDpi xmlns:a14="http://schemas.microsoft.com/office/drawing/2010/main" val="0"/>
+              </a:ext>
+            </a:extLst>
+          </a:blip>
+          <a:stretch>
+            <a:fillRect/>
+          </a:stretch>
+        </p:blipFill>
+        <p:spPr>
+          <a:xfrm>
+            <a:off x="6458262" y="4464060"/>
+            <a:ext cx="4891790" cy="2194004"/>
+          </a:xfrm>
+          <a:prstGeom prst="rect">
+            <a:avLst/>
+          </a:prstGeom>
+        </p:spPr>
+      </p:pic>
     </p:spTree>
     <p:extLst>
       <p:ext uri="{BB962C8B-B14F-4D97-AF65-F5344CB8AC3E}">
-        <p14:creationId xmlns:p14="http://schemas.microsoft.com/office/powerpoint/2010/main" val="1109871733"/>
+        <p14:creationId xmlns:p14="http://schemas.microsoft.com/office/powerpoint/2010/main" val="2781288170"/>
       </p:ext>
     </p:extLst>
   </p:cSld>
@@ -14754,10 +15828,101 @@
       </p:grpSpPr>
       <p:sp>
         <p:nvSpPr>
+          <p:cNvPr id="3" name="Text Placeholder 2">
+            <a:extLst>
+              <a:ext uri="{FF2B5EF4-FFF2-40B4-BE49-F238E27FC236}">
+                <a16:creationId xmlns:a16="http://schemas.microsoft.com/office/drawing/2014/main" id="{152A0944-E111-4849-AB66-23333762DDB0}"/>
+              </a:ext>
+            </a:extLst>
+          </p:cNvPr>
+          <p:cNvSpPr>
+            <a:spLocks noGrp="1"/>
+          </p:cNvSpPr>
+          <p:nvPr>
+            <p:ph type="body" idx="1"/>
+          </p:nvPr>
+        </p:nvSpPr>
+        <p:spPr>
+          <a:xfrm>
+            <a:off x="749508" y="1139252"/>
+            <a:ext cx="8614436" cy="3798891"/>
+          </a:xfrm>
+        </p:spPr>
+        <p:txBody>
+          <a:bodyPr/>
+          <a:lstStyle/>
+          <a:p>
+            <a:pPr marL="342900" indent="-342900">
+              <a:buFont typeface="Wingdings" panose="05000000000000000000" pitchFamily="2" charset="2"/>
+              <a:buChar char="Ø"/>
+            </a:pPr>
+            <a:r>
+              <a:rPr lang="en-IN" dirty="0">
+                <a:solidFill>
+                  <a:schemeClr val="bg2">
+                    <a:lumMod val="25000"/>
+                  </a:schemeClr>
+                </a:solidFill>
+              </a:rPr>
+              <a:t>Current System works only on movies but doesn’t understands the theatre condition or customer’s favourite theatre.</a:t>
+            </a:r>
+          </a:p>
+          <a:p>
+            <a:pPr marL="342900" indent="-342900">
+              <a:buFont typeface="Wingdings" panose="05000000000000000000" pitchFamily="2" charset="2"/>
+              <a:buChar char="Ø"/>
+            </a:pPr>
+            <a:r>
+              <a:rPr lang="en-IN" dirty="0">
+                <a:solidFill>
+                  <a:schemeClr val="bg2">
+                    <a:lumMod val="25000"/>
+                  </a:schemeClr>
+                </a:solidFill>
+              </a:rPr>
+              <a:t>Our one of the main goals is to provide theatre way’s of improving their halls or growth in tickets sale.</a:t>
+            </a:r>
+          </a:p>
+          <a:p>
+            <a:pPr marL="342900" indent="-342900">
+              <a:buFont typeface="Wingdings" panose="05000000000000000000" pitchFamily="2" charset="2"/>
+              <a:buChar char="Ø"/>
+            </a:pPr>
+            <a:r>
+              <a:rPr lang="en-IN" dirty="0">
+                <a:solidFill>
+                  <a:schemeClr val="bg2">
+                    <a:lumMod val="25000"/>
+                  </a:schemeClr>
+                </a:solidFill>
+              </a:rPr>
+              <a:t>By understanding customer interest we get to know which theatre are preferred by customer, hence through this analysis we provide theatre specific schemes or discounts to the customers.</a:t>
+            </a:r>
+          </a:p>
+          <a:p>
+            <a:pPr marL="342900" indent="-342900">
+              <a:buFont typeface="Wingdings" panose="05000000000000000000" pitchFamily="2" charset="2"/>
+              <a:buChar char="Ø"/>
+            </a:pPr>
+            <a:r>
+              <a:rPr lang="en-IN" dirty="0">
+                <a:solidFill>
+                  <a:schemeClr val="bg2">
+                    <a:lumMod val="25000"/>
+                  </a:schemeClr>
+                </a:solidFill>
+              </a:rPr>
+              <a:t>Also we can provide theatre’s area of improvements in betterment of customer experience. </a:t>
+            </a:r>
+          </a:p>
+        </p:txBody>
+      </p:sp>
+      <p:sp>
+        <p:nvSpPr>
           <p:cNvPr id="4" name="Rectangle 3">
             <a:extLst>
               <a:ext uri="{FF2B5EF4-FFF2-40B4-BE49-F238E27FC236}">
-                <a16:creationId xmlns:a16="http://schemas.microsoft.com/office/drawing/2014/main" id="{AF32EE56-6523-498B-B12E-677C0BF59BF1}"/>
+                <a16:creationId xmlns:a16="http://schemas.microsoft.com/office/drawing/2014/main" id="{FB8ADBEB-9793-4688-93D8-FB3E7BD4EB54}"/>
               </a:ext>
             </a:extLst>
           </p:cNvPr>
@@ -14766,106 +15931,106 @@
         </p:nvSpPr>
         <p:spPr>
           <a:xfrm>
-            <a:off x="1043407" y="452735"/>
-            <a:ext cx="5876096" cy="769441"/>
+            <a:off x="390256" y="423646"/>
+            <a:ext cx="3757439" cy="461665"/>
           </a:xfrm>
           <a:prstGeom prst="rect">
             <a:avLst/>
           </a:prstGeom>
-          <a:noFill/>
         </p:spPr>
         <p:txBody>
-          <a:bodyPr wrap="none" lIns="91440" tIns="45720" rIns="91440" bIns="45720">
+          <a:bodyPr wrap="none">
             <a:spAutoFit/>
-            <a:scene3d>
-              <a:camera prst="orthographicFront"/>
-              <a:lightRig rig="soft" dir="t">
-                <a:rot lat="0" lon="0" rev="15600000"/>
-              </a:lightRig>
-            </a:scene3d>
-            <a:sp3d extrusionH="57150" prstMaterial="softEdge">
-              <a:bevelT w="25400" h="38100"/>
-            </a:sp3d>
           </a:bodyPr>
           <a:lstStyle/>
           <a:p>
-            <a:pPr algn="ctr"/>
-            <a:r>
-              <a:rPr lang="en-US" sz="4400" b="1" cap="none" spc="0" dirty="0">
-                <a:ln/>
-                <a:solidFill>
-                  <a:schemeClr val="tx2">
-                    <a:lumMod val="75000"/>
-                  </a:schemeClr>
-                </a:solidFill>
-                <a:effectLst/>
+            <a:pPr marL="342900" indent="-342900">
+              <a:buFont typeface="Arial" panose="020B0604020202020204" pitchFamily="34" charset="0"/>
+              <a:buChar char="•"/>
+            </a:pPr>
+            <a:r>
+              <a:rPr lang="en-IN" sz="2400" dirty="0">
+                <a:solidFill>
+                  <a:schemeClr val="bg2">
+                    <a:lumMod val="10000"/>
+                  </a:schemeClr>
+                </a:solidFill>
               </a:rPr>
-              <a:t>Future Improvements</a:t>
-            </a:r>
-          </a:p>
-        </p:txBody>
-      </p:sp>
-      <p:sp>
-        <p:nvSpPr>
-          <p:cNvPr id="6" name="Text Placeholder 5">
+              <a:t>Theatre’s Improvement</a:t>
+            </a:r>
+          </a:p>
+        </p:txBody>
+      </p:sp>
+      <p:pic>
+        <p:nvPicPr>
+          <p:cNvPr id="6" name="Picture 5" descr="A screenshot of a cell phone&#10;&#10;Description automatically generated">
             <a:extLst>
               <a:ext uri="{FF2B5EF4-FFF2-40B4-BE49-F238E27FC236}">
-                <a16:creationId xmlns:a16="http://schemas.microsoft.com/office/drawing/2014/main" id="{D5151801-93A3-42B1-A9AE-7E3DBCC47FB3}"/>
+                <a16:creationId xmlns:a16="http://schemas.microsoft.com/office/drawing/2014/main" id="{35A1FED5-B699-4F98-B5C4-52617BE32E69}"/>
               </a:ext>
             </a:extLst>
           </p:cNvPr>
-          <p:cNvSpPr>
-            <a:spLocks noGrp="1"/>
-          </p:cNvSpPr>
-          <p:nvPr>
-            <p:ph type="body" idx="1"/>
-          </p:nvPr>
-        </p:nvSpPr>
+          <p:cNvPicPr>
+            <a:picLocks noChangeAspect="1"/>
+          </p:cNvPicPr>
+          <p:nvPr/>
+        </p:nvPicPr>
+        <p:blipFill>
+          <a:blip r:embed="rId2">
+            <a:extLst>
+              <a:ext uri="{28A0092B-C50C-407E-A947-70E740481C1C}">
+                <a14:useLocalDpi xmlns:a14="http://schemas.microsoft.com/office/drawing/2010/main" val="0"/>
+              </a:ext>
+            </a:extLst>
+          </a:blip>
+          <a:stretch>
+            <a:fillRect/>
+          </a:stretch>
+        </p:blipFill>
         <p:spPr>
           <a:xfrm>
-            <a:off x="1043407" y="1827109"/>
-            <a:ext cx="8596668" cy="3073503"/>
+            <a:off x="1019748" y="4723657"/>
+            <a:ext cx="3342390" cy="2046125"/>
           </a:xfrm>
+          <a:prstGeom prst="rect">
+            <a:avLst/>
+          </a:prstGeom>
         </p:spPr>
-        <p:txBody>
-          <a:bodyPr>
-            <a:normAutofit/>
-          </a:bodyPr>
-          <a:lstStyle/>
-          <a:p>
-            <a:pPr marL="342900" indent="-342900">
-              <a:buFont typeface="Wingdings" panose="05000000000000000000" pitchFamily="2" charset="2"/>
-              <a:buChar char="Ø"/>
-            </a:pPr>
-            <a:r>
-              <a:rPr lang="en-IN" dirty="0">
-                <a:solidFill>
-                  <a:srgbClr val="002060"/>
-                </a:solidFill>
-              </a:rPr>
-              <a:t>Currently system supports machine learning with intervention of human to keep check on through the help of artificial intelligence we can completely automate system.</a:t>
-            </a:r>
-          </a:p>
-          <a:p>
-            <a:pPr marL="342900" indent="-342900">
-              <a:buFont typeface="Wingdings" panose="05000000000000000000" pitchFamily="2" charset="2"/>
-              <a:buChar char="Ø"/>
-            </a:pPr>
-            <a:r>
-              <a:rPr lang="en-IN" dirty="0">
-                <a:solidFill>
-                  <a:srgbClr val="002060"/>
-                </a:solidFill>
-              </a:rPr>
-              <a:t>Movie booking system keeps each customer booking (supervised data) what if the system keeps track of unsupervised data that is keep track of cancellations and improve to customer preference.</a:t>
-            </a:r>
-          </a:p>
-        </p:txBody>
-      </p:sp>
+      </p:pic>
+      <p:pic>
+        <p:nvPicPr>
+          <p:cNvPr id="7" name="Picture 6">
+            <a:extLst>
+              <a:ext uri="{FF2B5EF4-FFF2-40B4-BE49-F238E27FC236}">
+                <a16:creationId xmlns:a16="http://schemas.microsoft.com/office/drawing/2014/main" id="{45905313-8105-4E15-BA01-10F88BCDA7E5}"/>
+              </a:ext>
+            </a:extLst>
+          </p:cNvPr>
+          <p:cNvPicPr>
+            <a:picLocks noChangeAspect="1"/>
+          </p:cNvPicPr>
+          <p:nvPr/>
+        </p:nvPicPr>
+        <p:blipFill>
+          <a:blip r:embed="rId3"/>
+          <a:stretch>
+            <a:fillRect/>
+          </a:stretch>
+        </p:blipFill>
+        <p:spPr>
+          <a:xfrm>
+            <a:off x="5010583" y="4431317"/>
+            <a:ext cx="4353362" cy="2338465"/>
+          </a:xfrm>
+          <a:prstGeom prst="rect">
+            <a:avLst/>
+          </a:prstGeom>
+        </p:spPr>
+      </p:pic>
     </p:spTree>
     <p:extLst>
       <p:ext uri="{BB962C8B-B14F-4D97-AF65-F5344CB8AC3E}">
-        <p14:creationId xmlns:p14="http://schemas.microsoft.com/office/powerpoint/2010/main" val="2660517869"/>
+        <p14:creationId xmlns:p14="http://schemas.microsoft.com/office/powerpoint/2010/main" val="600491454"/>
       </p:ext>
     </p:extLst>
   </p:cSld>
